--- a/Apresentação1.pptx
+++ b/Apresentação1.pptx
@@ -109,6 +109,11 @@
       </a:defRPr>
     </a:lvl9pPr>
   </p:defaultTextStyle>
+  <p:extLst>
+    <p:ext uri="{EFAFB233-063F-42B5-8137-9DF3F51BA10A}">
+      <p15:sldGuideLst xmlns:p15="http://schemas.microsoft.com/office/powerpoint/2012/main"/>
+    </p:ext>
+  </p:extLst>
 </p:presentation>
 </file>
 
@@ -259,7 +264,7 @@
           <a:p>
             <a:fld id="{7414F59C-B34E-4CE6-B4D0-EE66657ED9D8}" type="datetimeFigureOut">
               <a:rPr lang="pt-BR" smtClean="0"/>
-              <a:t>18/08/2023</a:t>
+              <a:t>21/08/2023</a:t>
             </a:fld>
             <a:endParaRPr lang="pt-BR"/>
           </a:p>
@@ -457,7 +462,7 @@
           <a:p>
             <a:fld id="{7414F59C-B34E-4CE6-B4D0-EE66657ED9D8}" type="datetimeFigureOut">
               <a:rPr lang="pt-BR" smtClean="0"/>
-              <a:t>18/08/2023</a:t>
+              <a:t>21/08/2023</a:t>
             </a:fld>
             <a:endParaRPr lang="pt-BR"/>
           </a:p>
@@ -665,7 +670,7 @@
           <a:p>
             <a:fld id="{7414F59C-B34E-4CE6-B4D0-EE66657ED9D8}" type="datetimeFigureOut">
               <a:rPr lang="pt-BR" smtClean="0"/>
-              <a:t>18/08/2023</a:t>
+              <a:t>21/08/2023</a:t>
             </a:fld>
             <a:endParaRPr lang="pt-BR"/>
           </a:p>
@@ -863,7 +868,7 @@
           <a:p>
             <a:fld id="{7414F59C-B34E-4CE6-B4D0-EE66657ED9D8}" type="datetimeFigureOut">
               <a:rPr lang="pt-BR" smtClean="0"/>
-              <a:t>18/08/2023</a:t>
+              <a:t>21/08/2023</a:t>
             </a:fld>
             <a:endParaRPr lang="pt-BR"/>
           </a:p>
@@ -1138,7 +1143,7 @@
           <a:p>
             <a:fld id="{7414F59C-B34E-4CE6-B4D0-EE66657ED9D8}" type="datetimeFigureOut">
               <a:rPr lang="pt-BR" smtClean="0"/>
-              <a:t>18/08/2023</a:t>
+              <a:t>21/08/2023</a:t>
             </a:fld>
             <a:endParaRPr lang="pt-BR"/>
           </a:p>
@@ -1403,7 +1408,7 @@
           <a:p>
             <a:fld id="{7414F59C-B34E-4CE6-B4D0-EE66657ED9D8}" type="datetimeFigureOut">
               <a:rPr lang="pt-BR" smtClean="0"/>
-              <a:t>18/08/2023</a:t>
+              <a:t>21/08/2023</a:t>
             </a:fld>
             <a:endParaRPr lang="pt-BR"/>
           </a:p>
@@ -1815,7 +1820,7 @@
           <a:p>
             <a:fld id="{7414F59C-B34E-4CE6-B4D0-EE66657ED9D8}" type="datetimeFigureOut">
               <a:rPr lang="pt-BR" smtClean="0"/>
-              <a:t>18/08/2023</a:t>
+              <a:t>21/08/2023</a:t>
             </a:fld>
             <a:endParaRPr lang="pt-BR"/>
           </a:p>
@@ -1956,7 +1961,7 @@
           <a:p>
             <a:fld id="{7414F59C-B34E-4CE6-B4D0-EE66657ED9D8}" type="datetimeFigureOut">
               <a:rPr lang="pt-BR" smtClean="0"/>
-              <a:t>18/08/2023</a:t>
+              <a:t>21/08/2023</a:t>
             </a:fld>
             <a:endParaRPr lang="pt-BR"/>
           </a:p>
@@ -2069,7 +2074,7 @@
           <a:p>
             <a:fld id="{7414F59C-B34E-4CE6-B4D0-EE66657ED9D8}" type="datetimeFigureOut">
               <a:rPr lang="pt-BR" smtClean="0"/>
-              <a:t>18/08/2023</a:t>
+              <a:t>21/08/2023</a:t>
             </a:fld>
             <a:endParaRPr lang="pt-BR"/>
           </a:p>
@@ -2380,7 +2385,7 @@
           <a:p>
             <a:fld id="{7414F59C-B34E-4CE6-B4D0-EE66657ED9D8}" type="datetimeFigureOut">
               <a:rPr lang="pt-BR" smtClean="0"/>
-              <a:t>18/08/2023</a:t>
+              <a:t>21/08/2023</a:t>
             </a:fld>
             <a:endParaRPr lang="pt-BR"/>
           </a:p>
@@ -2668,7 +2673,7 @@
           <a:p>
             <a:fld id="{7414F59C-B34E-4CE6-B4D0-EE66657ED9D8}" type="datetimeFigureOut">
               <a:rPr lang="pt-BR" smtClean="0"/>
-              <a:t>18/08/2023</a:t>
+              <a:t>21/08/2023</a:t>
             </a:fld>
             <a:endParaRPr lang="pt-BR"/>
           </a:p>
@@ -2909,7 +2914,7 @@
           <a:p>
             <a:fld id="{7414F59C-B34E-4CE6-B4D0-EE66657ED9D8}" type="datetimeFigureOut">
               <a:rPr lang="pt-BR" smtClean="0"/>
-              <a:t>18/08/2023</a:t>
+              <a:t>21/08/2023</a:t>
             </a:fld>
             <a:endParaRPr lang="pt-BR"/>
           </a:p>
@@ -3956,7 +3961,7 @@
                   </a:schemeClr>
                 </a:solidFill>
               </a:rPr>
-              <a:t>LocalEstoque</a:t>
+              <a:t>ItemEstoque</a:t>
             </a:r>
             <a:endParaRPr lang="pt-BR" sz="2800" dirty="0">
               <a:solidFill>
@@ -4696,6 +4701,200 @@
           </a:p>
         </p:txBody>
       </p:sp>
+      <p:sp>
+        <p:nvSpPr>
+          <p:cNvPr id="13" name="Retângulo 12">
+            <a:extLst>
+              <a:ext uri="{FF2B5EF4-FFF2-40B4-BE49-F238E27FC236}">
+                <a16:creationId xmlns:a16="http://schemas.microsoft.com/office/drawing/2014/main" id="{CA1FD7CC-0F3C-A2CC-E416-5C9CCAF703EF}"/>
+              </a:ext>
+            </a:extLst>
+          </p:cNvPr>
+          <p:cNvSpPr/>
+          <p:nvPr/>
+        </p:nvSpPr>
+        <p:spPr>
+          <a:xfrm>
+            <a:off x="5974618" y="5556041"/>
+            <a:ext cx="2456121" cy="914400"/>
+          </a:xfrm>
+          <a:prstGeom prst="rect">
+            <a:avLst/>
+          </a:prstGeom>
+        </p:spPr>
+        <p:style>
+          <a:lnRef idx="1">
+            <a:schemeClr val="accent2"/>
+          </a:lnRef>
+          <a:fillRef idx="2">
+            <a:schemeClr val="accent2"/>
+          </a:fillRef>
+          <a:effectRef idx="1">
+            <a:schemeClr val="accent2"/>
+          </a:effectRef>
+          <a:fontRef idx="minor">
+            <a:schemeClr val="dk1"/>
+          </a:fontRef>
+        </p:style>
+        <p:txBody>
+          <a:bodyPr rtlCol="0" anchor="ctr"/>
+          <a:lstStyle/>
+          <a:p>
+            <a:pPr algn="ctr"/>
+            <a:r>
+              <a:rPr lang="pt-BR" sz="2800" dirty="0" err="1">
+                <a:solidFill>
+                  <a:schemeClr val="tx1">
+                    <a:lumMod val="95000"/>
+                    <a:lumOff val="5000"/>
+                  </a:schemeClr>
+                </a:solidFill>
+              </a:rPr>
+              <a:t>LocalEstoque</a:t>
+            </a:r>
+            <a:endParaRPr lang="pt-BR" sz="2800" dirty="0">
+              <a:solidFill>
+                <a:schemeClr val="tx1">
+                  <a:lumMod val="95000"/>
+                  <a:lumOff val="5000"/>
+                </a:schemeClr>
+              </a:solidFill>
+            </a:endParaRPr>
+          </a:p>
+        </p:txBody>
+      </p:sp>
+      <p:sp>
+        <p:nvSpPr>
+          <p:cNvPr id="14" name="Losango 13">
+            <a:extLst>
+              <a:ext uri="{FF2B5EF4-FFF2-40B4-BE49-F238E27FC236}">
+                <a16:creationId xmlns:a16="http://schemas.microsoft.com/office/drawing/2014/main" id="{363201C9-DE53-4B96-5572-258ED95E9D26}"/>
+              </a:ext>
+            </a:extLst>
+          </p:cNvPr>
+          <p:cNvSpPr/>
+          <p:nvPr/>
+        </p:nvSpPr>
+        <p:spPr>
+          <a:xfrm>
+            <a:off x="3280142" y="5417818"/>
+            <a:ext cx="2286000" cy="1190846"/>
+          </a:xfrm>
+          <a:prstGeom prst="diamond">
+            <a:avLst/>
+          </a:prstGeom>
+        </p:spPr>
+        <p:style>
+          <a:lnRef idx="1">
+            <a:schemeClr val="accent2"/>
+          </a:lnRef>
+          <a:fillRef idx="2">
+            <a:schemeClr val="accent2"/>
+          </a:fillRef>
+          <a:effectRef idx="1">
+            <a:schemeClr val="accent2"/>
+          </a:effectRef>
+          <a:fontRef idx="minor">
+            <a:schemeClr val="dk1"/>
+          </a:fontRef>
+        </p:style>
+        <p:txBody>
+          <a:bodyPr rtlCol="0" anchor="ctr"/>
+          <a:lstStyle/>
+          <a:p>
+            <a:pPr algn="ctr"/>
+            <a:r>
+              <a:rPr lang="pt-BR" sz="2800" dirty="0">
+                <a:solidFill>
+                  <a:schemeClr val="tx1">
+                    <a:lumMod val="95000"/>
+                    <a:lumOff val="5000"/>
+                  </a:schemeClr>
+                </a:solidFill>
+              </a:rPr>
+              <a:t>Esta</a:t>
+            </a:r>
+          </a:p>
+        </p:txBody>
+      </p:sp>
+      <p:cxnSp>
+        <p:nvCxnSpPr>
+          <p:cNvPr id="16" name="Conector reto 15">
+            <a:extLst>
+              <a:ext uri="{FF2B5EF4-FFF2-40B4-BE49-F238E27FC236}">
+                <a16:creationId xmlns:a16="http://schemas.microsoft.com/office/drawing/2014/main" id="{0CE3BAF2-8329-E425-72AF-83807915A355}"/>
+              </a:ext>
+            </a:extLst>
+          </p:cNvPr>
+          <p:cNvCxnSpPr>
+            <a:stCxn id="5" idx="3"/>
+            <a:endCxn id="14" idx="1"/>
+          </p:cNvCxnSpPr>
+          <p:nvPr/>
+        </p:nvCxnSpPr>
+        <p:spPr>
+          <a:xfrm>
+            <a:off x="2993064" y="6013241"/>
+            <a:ext cx="287078" cy="0"/>
+          </a:xfrm>
+          <a:prstGeom prst="line">
+            <a:avLst/>
+          </a:prstGeom>
+        </p:spPr>
+        <p:style>
+          <a:lnRef idx="1">
+            <a:schemeClr val="accent1"/>
+          </a:lnRef>
+          <a:fillRef idx="0">
+            <a:schemeClr val="accent1"/>
+          </a:fillRef>
+          <a:effectRef idx="0">
+            <a:schemeClr val="accent1"/>
+          </a:effectRef>
+          <a:fontRef idx="minor">
+            <a:schemeClr val="tx1"/>
+          </a:fontRef>
+        </p:style>
+      </p:cxnSp>
+      <p:cxnSp>
+        <p:nvCxnSpPr>
+          <p:cNvPr id="20" name="Conector reto 19">
+            <a:extLst>
+              <a:ext uri="{FF2B5EF4-FFF2-40B4-BE49-F238E27FC236}">
+                <a16:creationId xmlns:a16="http://schemas.microsoft.com/office/drawing/2014/main" id="{D29C03B6-B2D3-5BF5-F4F7-14733A6A13F4}"/>
+              </a:ext>
+            </a:extLst>
+          </p:cNvPr>
+          <p:cNvCxnSpPr>
+            <a:stCxn id="14" idx="3"/>
+            <a:endCxn id="13" idx="1"/>
+          </p:cNvCxnSpPr>
+          <p:nvPr/>
+        </p:nvCxnSpPr>
+        <p:spPr>
+          <a:xfrm>
+            <a:off x="5566142" y="6013241"/>
+            <a:ext cx="408476" cy="0"/>
+          </a:xfrm>
+          <a:prstGeom prst="line">
+            <a:avLst/>
+          </a:prstGeom>
+        </p:spPr>
+        <p:style>
+          <a:lnRef idx="1">
+            <a:schemeClr val="accent1"/>
+          </a:lnRef>
+          <a:fillRef idx="0">
+            <a:schemeClr val="accent1"/>
+          </a:fillRef>
+          <a:effectRef idx="0">
+            <a:schemeClr val="accent1"/>
+          </a:effectRef>
+          <a:fontRef idx="minor">
+            <a:schemeClr val="tx1"/>
+          </a:fontRef>
+        </p:style>
+      </p:cxnSp>
     </p:spTree>
     <p:extLst>
       <p:ext uri="{BB962C8B-B14F-4D97-AF65-F5344CB8AC3E}">
@@ -5242,6 +5441,770 @@
           <a:p>
             <a:pPr algn="ctr"/>
             <a:r>
+              <a:rPr lang="pt-BR" sz="1800" dirty="0" err="1">
+                <a:solidFill>
+                  <a:schemeClr val="tx1">
+                    <a:lumMod val="95000"/>
+                    <a:lumOff val="5000"/>
+                  </a:schemeClr>
+                </a:solidFill>
+              </a:rPr>
+              <a:t>ItemVenda</a:t>
+            </a:r>
+            <a:endParaRPr lang="pt-BR" dirty="0">
+              <a:solidFill>
+                <a:schemeClr val="tx1">
+                  <a:lumMod val="95000"/>
+                  <a:lumOff val="5000"/>
+                </a:schemeClr>
+              </a:solidFill>
+            </a:endParaRPr>
+          </a:p>
+        </p:txBody>
+      </p:sp>
+      <p:sp>
+        <p:nvSpPr>
+          <p:cNvPr id="12" name="Retângulo 11">
+            <a:extLst>
+              <a:ext uri="{FF2B5EF4-FFF2-40B4-BE49-F238E27FC236}">
+                <a16:creationId xmlns:a16="http://schemas.microsoft.com/office/drawing/2014/main" id="{D1B28CF6-C389-A591-2711-7D0943AEA3E3}"/>
+              </a:ext>
+            </a:extLst>
+          </p:cNvPr>
+          <p:cNvSpPr/>
+          <p:nvPr/>
+        </p:nvSpPr>
+        <p:spPr>
+          <a:xfrm>
+            <a:off x="4795283" y="4842601"/>
+            <a:ext cx="2456121" cy="914400"/>
+          </a:xfrm>
+          <a:prstGeom prst="rect">
+            <a:avLst/>
+          </a:prstGeom>
+        </p:spPr>
+        <p:style>
+          <a:lnRef idx="2">
+            <a:schemeClr val="accent3">
+              <a:shade val="15000"/>
+            </a:schemeClr>
+          </a:lnRef>
+          <a:fillRef idx="1">
+            <a:schemeClr val="accent3"/>
+          </a:fillRef>
+          <a:effectRef idx="0">
+            <a:schemeClr val="accent3"/>
+          </a:effectRef>
+          <a:fontRef idx="minor">
+            <a:schemeClr val="lt1"/>
+          </a:fontRef>
+        </p:style>
+        <p:txBody>
+          <a:bodyPr rtlCol="0" anchor="ctr"/>
+          <a:lstStyle/>
+          <a:p>
+            <a:pPr algn="ctr"/>
+            <a:r>
+              <a:rPr lang="pt-BR" sz="1800" dirty="0">
+                <a:solidFill>
+                  <a:schemeClr val="tx1">
+                    <a:lumMod val="95000"/>
+                    <a:lumOff val="5000"/>
+                  </a:schemeClr>
+                </a:solidFill>
+              </a:rPr>
+              <a:t>Cliente</a:t>
+            </a:r>
+            <a:endParaRPr lang="pt-BR" dirty="0">
+              <a:solidFill>
+                <a:schemeClr val="tx1">
+                  <a:lumMod val="95000"/>
+                  <a:lumOff val="5000"/>
+                </a:schemeClr>
+              </a:solidFill>
+            </a:endParaRPr>
+          </a:p>
+        </p:txBody>
+      </p:sp>
+      <p:sp>
+        <p:nvSpPr>
+          <p:cNvPr id="13" name="Retângulo 12">
+            <a:extLst>
+              <a:ext uri="{FF2B5EF4-FFF2-40B4-BE49-F238E27FC236}">
+                <a16:creationId xmlns:a16="http://schemas.microsoft.com/office/drawing/2014/main" id="{BA0F4227-9EE3-1130-C22F-C28439E8F88B}"/>
+              </a:ext>
+            </a:extLst>
+          </p:cNvPr>
+          <p:cNvSpPr/>
+          <p:nvPr/>
+        </p:nvSpPr>
+        <p:spPr>
+          <a:xfrm>
+            <a:off x="9416902" y="2519916"/>
+            <a:ext cx="2456121" cy="914400"/>
+          </a:xfrm>
+          <a:prstGeom prst="rect">
+            <a:avLst/>
+          </a:prstGeom>
+        </p:spPr>
+        <p:style>
+          <a:lnRef idx="2">
+            <a:schemeClr val="accent3">
+              <a:shade val="15000"/>
+            </a:schemeClr>
+          </a:lnRef>
+          <a:fillRef idx="1">
+            <a:schemeClr val="accent3"/>
+          </a:fillRef>
+          <a:effectRef idx="0">
+            <a:schemeClr val="accent3"/>
+          </a:effectRef>
+          <a:fontRef idx="minor">
+            <a:schemeClr val="lt1"/>
+          </a:fontRef>
+        </p:style>
+        <p:txBody>
+          <a:bodyPr rtlCol="0" anchor="ctr"/>
+          <a:lstStyle/>
+          <a:p>
+            <a:pPr algn="ctr"/>
+            <a:r>
+              <a:rPr lang="pt-BR" sz="1800">
+                <a:solidFill>
+                  <a:schemeClr val="tx1">
+                    <a:lumMod val="95000"/>
+                    <a:lumOff val="5000"/>
+                  </a:schemeClr>
+                </a:solidFill>
+              </a:rPr>
+              <a:t>Vendedor</a:t>
+            </a:r>
+            <a:endParaRPr lang="pt-BR" dirty="0">
+              <a:solidFill>
+                <a:schemeClr val="tx1">
+                  <a:lumMod val="95000"/>
+                  <a:lumOff val="5000"/>
+                </a:schemeClr>
+              </a:solidFill>
+            </a:endParaRPr>
+          </a:p>
+        </p:txBody>
+      </p:sp>
+      <p:sp>
+        <p:nvSpPr>
+          <p:cNvPr id="14" name="Retângulo 13">
+            <a:extLst>
+              <a:ext uri="{FF2B5EF4-FFF2-40B4-BE49-F238E27FC236}">
+                <a16:creationId xmlns:a16="http://schemas.microsoft.com/office/drawing/2014/main" id="{236A744C-BBF1-4E48-916E-6736D19402AD}"/>
+              </a:ext>
+            </a:extLst>
+          </p:cNvPr>
+          <p:cNvSpPr/>
+          <p:nvPr/>
+        </p:nvSpPr>
+        <p:spPr>
+          <a:xfrm>
+            <a:off x="4795283" y="2514600"/>
+            <a:ext cx="2456121" cy="914400"/>
+          </a:xfrm>
+          <a:prstGeom prst="rect">
+            <a:avLst/>
+          </a:prstGeom>
+        </p:spPr>
+        <p:style>
+          <a:lnRef idx="2">
+            <a:schemeClr val="accent3">
+              <a:shade val="15000"/>
+            </a:schemeClr>
+          </a:lnRef>
+          <a:fillRef idx="1">
+            <a:schemeClr val="accent3"/>
+          </a:fillRef>
+          <a:effectRef idx="0">
+            <a:schemeClr val="accent3"/>
+          </a:effectRef>
+          <a:fontRef idx="minor">
+            <a:schemeClr val="lt1"/>
+          </a:fontRef>
+        </p:style>
+        <p:txBody>
+          <a:bodyPr rtlCol="0" anchor="ctr"/>
+          <a:lstStyle/>
+          <a:p>
+            <a:pPr algn="ctr"/>
+            <a:r>
+              <a:rPr lang="pt-BR" sz="1800" dirty="0">
+                <a:solidFill>
+                  <a:schemeClr val="tx1">
+                    <a:lumMod val="95000"/>
+                    <a:lumOff val="5000"/>
+                  </a:schemeClr>
+                </a:solidFill>
+              </a:rPr>
+              <a:t>Venda</a:t>
+            </a:r>
+            <a:endParaRPr lang="pt-BR" dirty="0">
+              <a:solidFill>
+                <a:schemeClr val="tx1">
+                  <a:lumMod val="95000"/>
+                  <a:lumOff val="5000"/>
+                </a:schemeClr>
+              </a:solidFill>
+            </a:endParaRPr>
+          </a:p>
+        </p:txBody>
+      </p:sp>
+      <p:sp>
+        <p:nvSpPr>
+          <p:cNvPr id="2" name="Losango 1">
+            <a:extLst>
+              <a:ext uri="{FF2B5EF4-FFF2-40B4-BE49-F238E27FC236}">
+                <a16:creationId xmlns:a16="http://schemas.microsoft.com/office/drawing/2014/main" id="{E8ED8A10-BBB8-0BAA-3D9D-05B5D9E503BE}"/>
+              </a:ext>
+            </a:extLst>
+          </p:cNvPr>
+          <p:cNvSpPr/>
+          <p:nvPr/>
+        </p:nvSpPr>
+        <p:spPr>
+          <a:xfrm>
+            <a:off x="3274828" y="2514600"/>
+            <a:ext cx="1041991" cy="914400"/>
+          </a:xfrm>
+          <a:prstGeom prst="diamond">
+            <a:avLst/>
+          </a:prstGeom>
+        </p:spPr>
+        <p:style>
+          <a:lnRef idx="2">
+            <a:schemeClr val="accent1">
+              <a:shade val="15000"/>
+            </a:schemeClr>
+          </a:lnRef>
+          <a:fillRef idx="1">
+            <a:schemeClr val="accent1"/>
+          </a:fillRef>
+          <a:effectRef idx="0">
+            <a:schemeClr val="accent1"/>
+          </a:effectRef>
+          <a:fontRef idx="minor">
+            <a:schemeClr val="lt1"/>
+          </a:fontRef>
+        </p:style>
+        <p:txBody>
+          <a:bodyPr rtlCol="0" anchor="ctr"/>
+          <a:lstStyle/>
+          <a:p>
+            <a:pPr algn="ctr"/>
+            <a:r>
+              <a:rPr lang="pt-BR" sz="1400" dirty="0"/>
+              <a:t>Está</a:t>
+            </a:r>
+          </a:p>
+        </p:txBody>
+      </p:sp>
+      <p:sp>
+        <p:nvSpPr>
+          <p:cNvPr id="3" name="Losango 2">
+            <a:extLst>
+              <a:ext uri="{FF2B5EF4-FFF2-40B4-BE49-F238E27FC236}">
+                <a16:creationId xmlns:a16="http://schemas.microsoft.com/office/drawing/2014/main" id="{DE27A3EC-AE9C-B250-95E8-7EE498170254}"/>
+              </a:ext>
+            </a:extLst>
+          </p:cNvPr>
+          <p:cNvSpPr/>
+          <p:nvPr/>
+        </p:nvSpPr>
+        <p:spPr>
+          <a:xfrm>
+            <a:off x="7875181" y="2514600"/>
+            <a:ext cx="1041991" cy="914400"/>
+          </a:xfrm>
+          <a:prstGeom prst="diamond">
+            <a:avLst/>
+          </a:prstGeom>
+        </p:spPr>
+        <p:style>
+          <a:lnRef idx="2">
+            <a:schemeClr val="accent1">
+              <a:shade val="15000"/>
+            </a:schemeClr>
+          </a:lnRef>
+          <a:fillRef idx="1">
+            <a:schemeClr val="accent1"/>
+          </a:fillRef>
+          <a:effectRef idx="0">
+            <a:schemeClr val="accent1"/>
+          </a:effectRef>
+          <a:fontRef idx="minor">
+            <a:schemeClr val="lt1"/>
+          </a:fontRef>
+        </p:style>
+        <p:txBody>
+          <a:bodyPr rtlCol="0" anchor="ctr"/>
+          <a:lstStyle/>
+          <a:p>
+            <a:pPr algn="ctr"/>
+            <a:r>
+              <a:rPr lang="pt-BR" sz="1400" dirty="0"/>
+              <a:t>Está</a:t>
+            </a:r>
+          </a:p>
+        </p:txBody>
+      </p:sp>
+      <p:sp>
+        <p:nvSpPr>
+          <p:cNvPr id="4" name="Losango 3">
+            <a:extLst>
+              <a:ext uri="{FF2B5EF4-FFF2-40B4-BE49-F238E27FC236}">
+                <a16:creationId xmlns:a16="http://schemas.microsoft.com/office/drawing/2014/main" id="{C07C1439-7251-69A8-4551-5AAAA9B748DB}"/>
+              </a:ext>
+            </a:extLst>
+          </p:cNvPr>
+          <p:cNvSpPr/>
+          <p:nvPr/>
+        </p:nvSpPr>
+        <p:spPr>
+          <a:xfrm>
+            <a:off x="4795281" y="3678600"/>
+            <a:ext cx="2456124" cy="914400"/>
+          </a:xfrm>
+          <a:prstGeom prst="diamond">
+            <a:avLst/>
+          </a:prstGeom>
+        </p:spPr>
+        <p:style>
+          <a:lnRef idx="2">
+            <a:schemeClr val="accent1">
+              <a:shade val="15000"/>
+            </a:schemeClr>
+          </a:lnRef>
+          <a:fillRef idx="1">
+            <a:schemeClr val="accent1"/>
+          </a:fillRef>
+          <a:effectRef idx="0">
+            <a:schemeClr val="accent1"/>
+          </a:effectRef>
+          <a:fontRef idx="minor">
+            <a:schemeClr val="lt1"/>
+          </a:fontRef>
+        </p:style>
+        <p:txBody>
+          <a:bodyPr rtlCol="0" anchor="ctr"/>
+          <a:lstStyle/>
+          <a:p>
+            <a:pPr algn="ctr"/>
+            <a:r>
+              <a:rPr lang="pt-BR" sz="1400" dirty="0"/>
+              <a:t>solicita</a:t>
+            </a:r>
+          </a:p>
+        </p:txBody>
+      </p:sp>
+      <p:sp>
+        <p:nvSpPr>
+          <p:cNvPr id="5" name="Losango 4">
+            <a:extLst>
+              <a:ext uri="{FF2B5EF4-FFF2-40B4-BE49-F238E27FC236}">
+                <a16:creationId xmlns:a16="http://schemas.microsoft.com/office/drawing/2014/main" id="{CB824F52-2465-FA74-997F-CF4DBF326EC7}"/>
+              </a:ext>
+            </a:extLst>
+          </p:cNvPr>
+          <p:cNvSpPr/>
+          <p:nvPr/>
+        </p:nvSpPr>
+        <p:spPr>
+          <a:xfrm>
+            <a:off x="5346403" y="1361496"/>
+            <a:ext cx="1353880" cy="914400"/>
+          </a:xfrm>
+          <a:prstGeom prst="diamond">
+            <a:avLst/>
+          </a:prstGeom>
+        </p:spPr>
+        <p:style>
+          <a:lnRef idx="2">
+            <a:schemeClr val="accent1">
+              <a:shade val="15000"/>
+            </a:schemeClr>
+          </a:lnRef>
+          <a:fillRef idx="1">
+            <a:schemeClr val="accent1"/>
+          </a:fillRef>
+          <a:effectRef idx="0">
+            <a:schemeClr val="accent1"/>
+          </a:effectRef>
+          <a:fontRef idx="minor">
+            <a:schemeClr val="lt1"/>
+          </a:fontRef>
+        </p:style>
+        <p:txBody>
+          <a:bodyPr rtlCol="0" anchor="ctr"/>
+          <a:lstStyle/>
+          <a:p>
+            <a:pPr algn="ctr"/>
+            <a:r>
+              <a:rPr lang="pt-BR" sz="1400" dirty="0"/>
+              <a:t>Está</a:t>
+            </a:r>
+          </a:p>
+        </p:txBody>
+      </p:sp>
+      <p:cxnSp>
+        <p:nvCxnSpPr>
+          <p:cNvPr id="7" name="Conector reto 6">
+            <a:extLst>
+              <a:ext uri="{FF2B5EF4-FFF2-40B4-BE49-F238E27FC236}">
+                <a16:creationId xmlns:a16="http://schemas.microsoft.com/office/drawing/2014/main" id="{D6D97D54-AE49-8934-10E5-5499AB725F40}"/>
+              </a:ext>
+            </a:extLst>
+          </p:cNvPr>
+          <p:cNvCxnSpPr>
+            <a:stCxn id="5" idx="0"/>
+            <a:endCxn id="10" idx="2"/>
+          </p:cNvCxnSpPr>
+          <p:nvPr/>
+        </p:nvCxnSpPr>
+        <p:spPr>
+          <a:xfrm flipV="1">
+            <a:off x="6023343" y="1227531"/>
+            <a:ext cx="1" cy="133965"/>
+          </a:xfrm>
+          <a:prstGeom prst="line">
+            <a:avLst/>
+          </a:prstGeom>
+        </p:spPr>
+        <p:style>
+          <a:lnRef idx="1">
+            <a:schemeClr val="accent1"/>
+          </a:lnRef>
+          <a:fillRef idx="0">
+            <a:schemeClr val="accent1"/>
+          </a:fillRef>
+          <a:effectRef idx="0">
+            <a:schemeClr val="accent1"/>
+          </a:effectRef>
+          <a:fontRef idx="minor">
+            <a:schemeClr val="tx1"/>
+          </a:fontRef>
+        </p:style>
+      </p:cxnSp>
+      <p:cxnSp>
+        <p:nvCxnSpPr>
+          <p:cNvPr id="19" name="Conector reto 18">
+            <a:extLst>
+              <a:ext uri="{FF2B5EF4-FFF2-40B4-BE49-F238E27FC236}">
+                <a16:creationId xmlns:a16="http://schemas.microsoft.com/office/drawing/2014/main" id="{9B3C2316-BC43-AE85-C997-14A1D435A0D9}"/>
+              </a:ext>
+            </a:extLst>
+          </p:cNvPr>
+          <p:cNvCxnSpPr>
+            <a:stCxn id="4" idx="0"/>
+            <a:endCxn id="14" idx="2"/>
+          </p:cNvCxnSpPr>
+          <p:nvPr/>
+        </p:nvCxnSpPr>
+        <p:spPr>
+          <a:xfrm flipV="1">
+            <a:off x="6023343" y="3429000"/>
+            <a:ext cx="1" cy="249600"/>
+          </a:xfrm>
+          <a:prstGeom prst="line">
+            <a:avLst/>
+          </a:prstGeom>
+        </p:spPr>
+        <p:style>
+          <a:lnRef idx="1">
+            <a:schemeClr val="accent1"/>
+          </a:lnRef>
+          <a:fillRef idx="0">
+            <a:schemeClr val="accent1"/>
+          </a:fillRef>
+          <a:effectRef idx="0">
+            <a:schemeClr val="accent1"/>
+          </a:effectRef>
+          <a:fontRef idx="minor">
+            <a:schemeClr val="tx1"/>
+          </a:fontRef>
+        </p:style>
+      </p:cxnSp>
+      <p:cxnSp>
+        <p:nvCxnSpPr>
+          <p:cNvPr id="21" name="Conector reto 20">
+            <a:extLst>
+              <a:ext uri="{FF2B5EF4-FFF2-40B4-BE49-F238E27FC236}">
+                <a16:creationId xmlns:a16="http://schemas.microsoft.com/office/drawing/2014/main" id="{8BB74DB3-2071-6F57-1F4B-24D16D49D41C}"/>
+              </a:ext>
+            </a:extLst>
+          </p:cNvPr>
+          <p:cNvCxnSpPr>
+            <a:stCxn id="4" idx="2"/>
+            <a:endCxn id="12" idx="0"/>
+          </p:cNvCxnSpPr>
+          <p:nvPr/>
+        </p:nvCxnSpPr>
+        <p:spPr>
+          <a:xfrm>
+            <a:off x="6023343" y="4593000"/>
+            <a:ext cx="1" cy="249601"/>
+          </a:xfrm>
+          <a:prstGeom prst="line">
+            <a:avLst/>
+          </a:prstGeom>
+        </p:spPr>
+        <p:style>
+          <a:lnRef idx="1">
+            <a:schemeClr val="accent1"/>
+          </a:lnRef>
+          <a:fillRef idx="0">
+            <a:schemeClr val="accent1"/>
+          </a:fillRef>
+          <a:effectRef idx="0">
+            <a:schemeClr val="accent1"/>
+          </a:effectRef>
+          <a:fontRef idx="minor">
+            <a:schemeClr val="tx1"/>
+          </a:fontRef>
+        </p:style>
+      </p:cxnSp>
+      <p:cxnSp>
+        <p:nvCxnSpPr>
+          <p:cNvPr id="23" name="Conector reto 22">
+            <a:extLst>
+              <a:ext uri="{FF2B5EF4-FFF2-40B4-BE49-F238E27FC236}">
+                <a16:creationId xmlns:a16="http://schemas.microsoft.com/office/drawing/2014/main" id="{D2D3BD62-FBC7-D107-0E0E-8756536BB283}"/>
+              </a:ext>
+            </a:extLst>
+          </p:cNvPr>
+          <p:cNvCxnSpPr>
+            <a:stCxn id="11" idx="3"/>
+            <a:endCxn id="2" idx="1"/>
+          </p:cNvCxnSpPr>
+          <p:nvPr/>
+        </p:nvCxnSpPr>
+        <p:spPr>
+          <a:xfrm>
+            <a:off x="2775098" y="2971800"/>
+            <a:ext cx="499730" cy="0"/>
+          </a:xfrm>
+          <a:prstGeom prst="line">
+            <a:avLst/>
+          </a:prstGeom>
+        </p:spPr>
+        <p:style>
+          <a:lnRef idx="1">
+            <a:schemeClr val="accent1"/>
+          </a:lnRef>
+          <a:fillRef idx="0">
+            <a:schemeClr val="accent1"/>
+          </a:fillRef>
+          <a:effectRef idx="0">
+            <a:schemeClr val="accent1"/>
+          </a:effectRef>
+          <a:fontRef idx="minor">
+            <a:schemeClr val="tx1"/>
+          </a:fontRef>
+        </p:style>
+      </p:cxnSp>
+      <p:cxnSp>
+        <p:nvCxnSpPr>
+          <p:cNvPr id="25" name="Conector reto 24">
+            <a:extLst>
+              <a:ext uri="{FF2B5EF4-FFF2-40B4-BE49-F238E27FC236}">
+                <a16:creationId xmlns:a16="http://schemas.microsoft.com/office/drawing/2014/main" id="{0E5F20AF-3CBD-C9B1-4AFB-7E8986ACD136}"/>
+              </a:ext>
+            </a:extLst>
+          </p:cNvPr>
+          <p:cNvCxnSpPr>
+            <a:stCxn id="2" idx="3"/>
+            <a:endCxn id="14" idx="1"/>
+          </p:cNvCxnSpPr>
+          <p:nvPr/>
+        </p:nvCxnSpPr>
+        <p:spPr>
+          <a:xfrm>
+            <a:off x="4316819" y="2971800"/>
+            <a:ext cx="478464" cy="0"/>
+          </a:xfrm>
+          <a:prstGeom prst="line">
+            <a:avLst/>
+          </a:prstGeom>
+        </p:spPr>
+        <p:style>
+          <a:lnRef idx="1">
+            <a:schemeClr val="accent1"/>
+          </a:lnRef>
+          <a:fillRef idx="0">
+            <a:schemeClr val="accent1"/>
+          </a:fillRef>
+          <a:effectRef idx="0">
+            <a:schemeClr val="accent1"/>
+          </a:effectRef>
+          <a:fontRef idx="minor">
+            <a:schemeClr val="tx1"/>
+          </a:fontRef>
+        </p:style>
+      </p:cxnSp>
+      <p:cxnSp>
+        <p:nvCxnSpPr>
+          <p:cNvPr id="27" name="Conector reto 26">
+            <a:extLst>
+              <a:ext uri="{FF2B5EF4-FFF2-40B4-BE49-F238E27FC236}">
+                <a16:creationId xmlns:a16="http://schemas.microsoft.com/office/drawing/2014/main" id="{802F9969-C425-19E1-B067-35177113938E}"/>
+              </a:ext>
+            </a:extLst>
+          </p:cNvPr>
+          <p:cNvCxnSpPr>
+            <a:stCxn id="14" idx="3"/>
+            <a:endCxn id="3" idx="1"/>
+          </p:cNvCxnSpPr>
+          <p:nvPr/>
+        </p:nvCxnSpPr>
+        <p:spPr>
+          <a:xfrm>
+            <a:off x="7251404" y="2971800"/>
+            <a:ext cx="623777" cy="0"/>
+          </a:xfrm>
+          <a:prstGeom prst="line">
+            <a:avLst/>
+          </a:prstGeom>
+        </p:spPr>
+        <p:style>
+          <a:lnRef idx="1">
+            <a:schemeClr val="accent1"/>
+          </a:lnRef>
+          <a:fillRef idx="0">
+            <a:schemeClr val="accent1"/>
+          </a:fillRef>
+          <a:effectRef idx="0">
+            <a:schemeClr val="accent1"/>
+          </a:effectRef>
+          <a:fontRef idx="minor">
+            <a:schemeClr val="tx1"/>
+          </a:fontRef>
+        </p:style>
+      </p:cxnSp>
+      <p:cxnSp>
+        <p:nvCxnSpPr>
+          <p:cNvPr id="29" name="Conector reto 28">
+            <a:extLst>
+              <a:ext uri="{FF2B5EF4-FFF2-40B4-BE49-F238E27FC236}">
+                <a16:creationId xmlns:a16="http://schemas.microsoft.com/office/drawing/2014/main" id="{C5D662EF-2203-489C-2510-F423123D949C}"/>
+              </a:ext>
+            </a:extLst>
+          </p:cNvPr>
+          <p:cNvCxnSpPr>
+            <a:stCxn id="3" idx="3"/>
+            <a:endCxn id="13" idx="1"/>
+          </p:cNvCxnSpPr>
+          <p:nvPr/>
+        </p:nvCxnSpPr>
+        <p:spPr>
+          <a:xfrm>
+            <a:off x="8917172" y="2971800"/>
+            <a:ext cx="499730" cy="5316"/>
+          </a:xfrm>
+          <a:prstGeom prst="line">
+            <a:avLst/>
+          </a:prstGeom>
+        </p:spPr>
+        <p:style>
+          <a:lnRef idx="1">
+            <a:schemeClr val="accent1"/>
+          </a:lnRef>
+          <a:fillRef idx="0">
+            <a:schemeClr val="accent1"/>
+          </a:fillRef>
+          <a:effectRef idx="0">
+            <a:schemeClr val="accent1"/>
+          </a:effectRef>
+          <a:fontRef idx="minor">
+            <a:schemeClr val="tx1"/>
+          </a:fontRef>
+        </p:style>
+      </p:cxnSp>
+      <p:cxnSp>
+        <p:nvCxnSpPr>
+          <p:cNvPr id="32" name="Conector reto 31">
+            <a:extLst>
+              <a:ext uri="{FF2B5EF4-FFF2-40B4-BE49-F238E27FC236}">
+                <a16:creationId xmlns:a16="http://schemas.microsoft.com/office/drawing/2014/main" id="{F6CFEF37-CF22-77D8-EA69-4B4C333001FA}"/>
+              </a:ext>
+            </a:extLst>
+          </p:cNvPr>
+          <p:cNvCxnSpPr>
+            <a:stCxn id="5" idx="2"/>
+            <a:endCxn id="14" idx="0"/>
+          </p:cNvCxnSpPr>
+          <p:nvPr/>
+        </p:nvCxnSpPr>
+        <p:spPr>
+          <a:xfrm>
+            <a:off x="6023343" y="2275896"/>
+            <a:ext cx="1" cy="238704"/>
+          </a:xfrm>
+          <a:prstGeom prst="line">
+            <a:avLst/>
+          </a:prstGeom>
+        </p:spPr>
+        <p:style>
+          <a:lnRef idx="1">
+            <a:schemeClr val="accent1"/>
+          </a:lnRef>
+          <a:fillRef idx="0">
+            <a:schemeClr val="accent1"/>
+          </a:fillRef>
+          <a:effectRef idx="0">
+            <a:schemeClr val="accent1"/>
+          </a:effectRef>
+          <a:fontRef idx="minor">
+            <a:schemeClr val="tx1"/>
+          </a:fontRef>
+        </p:style>
+      </p:cxnSp>
+      <p:sp>
+        <p:nvSpPr>
+          <p:cNvPr id="8" name="Retângulo 7">
+            <a:extLst>
+              <a:ext uri="{FF2B5EF4-FFF2-40B4-BE49-F238E27FC236}">
+                <a16:creationId xmlns:a16="http://schemas.microsoft.com/office/drawing/2014/main" id="{1B3162B1-CC82-0FEE-E82E-0BEB2D6C21FD}"/>
+              </a:ext>
+            </a:extLst>
+          </p:cNvPr>
+          <p:cNvSpPr/>
+          <p:nvPr/>
+        </p:nvSpPr>
+        <p:spPr>
+          <a:xfrm>
+            <a:off x="318976" y="4842601"/>
+            <a:ext cx="2456121" cy="914400"/>
+          </a:xfrm>
+          <a:prstGeom prst="rect">
+            <a:avLst/>
+          </a:prstGeom>
+        </p:spPr>
+        <p:style>
+          <a:lnRef idx="2">
+            <a:schemeClr val="accent3">
+              <a:shade val="15000"/>
+            </a:schemeClr>
+          </a:lnRef>
+          <a:fillRef idx="1">
+            <a:schemeClr val="accent3"/>
+          </a:fillRef>
+          <a:effectRef idx="0">
+            <a:schemeClr val="accent3"/>
+          </a:effectRef>
+          <a:fontRef idx="minor">
+            <a:schemeClr val="lt1"/>
+          </a:fontRef>
+        </p:style>
+        <p:txBody>
+          <a:bodyPr rtlCol="0" anchor="ctr"/>
+          <a:lstStyle/>
+          <a:p>
+            <a:pPr algn="ctr"/>
+            <a:r>
               <a:rPr lang="pt-BR" sz="1800" dirty="0">
                 <a:solidFill>
                   <a:schemeClr val="tx1">
@@ -5265,10 +6228,10 @@
       </p:sp>
       <p:sp>
         <p:nvSpPr>
-          <p:cNvPr id="12" name="Retângulo 11">
-            <a:extLst>
-              <a:ext uri="{FF2B5EF4-FFF2-40B4-BE49-F238E27FC236}">
-                <a16:creationId xmlns:a16="http://schemas.microsoft.com/office/drawing/2014/main" id="{D1B28CF6-C389-A591-2711-7D0943AEA3E3}"/>
+          <p:cNvPr id="16" name="Losango 15">
+            <a:extLst>
+              <a:ext uri="{FF2B5EF4-FFF2-40B4-BE49-F238E27FC236}">
+                <a16:creationId xmlns:a16="http://schemas.microsoft.com/office/drawing/2014/main" id="{C780651E-9A43-6148-289C-0E06DF55B2CF}"/>
               </a:ext>
             </a:extLst>
           </p:cNvPr>
@@ -5277,199 +6240,7 @@
         </p:nvSpPr>
         <p:spPr>
           <a:xfrm>
-            <a:off x="4795283" y="4842601"/>
-            <a:ext cx="2456121" cy="914400"/>
-          </a:xfrm>
-          <a:prstGeom prst="rect">
-            <a:avLst/>
-          </a:prstGeom>
-        </p:spPr>
-        <p:style>
-          <a:lnRef idx="2">
-            <a:schemeClr val="accent3">
-              <a:shade val="15000"/>
-            </a:schemeClr>
-          </a:lnRef>
-          <a:fillRef idx="1">
-            <a:schemeClr val="accent3"/>
-          </a:fillRef>
-          <a:effectRef idx="0">
-            <a:schemeClr val="accent3"/>
-          </a:effectRef>
-          <a:fontRef idx="minor">
-            <a:schemeClr val="lt1"/>
-          </a:fontRef>
-        </p:style>
-        <p:txBody>
-          <a:bodyPr rtlCol="0" anchor="ctr"/>
-          <a:lstStyle/>
-          <a:p>
-            <a:pPr algn="ctr"/>
-            <a:r>
-              <a:rPr lang="pt-BR" sz="1800" dirty="0">
-                <a:solidFill>
-                  <a:schemeClr val="tx1">
-                    <a:lumMod val="95000"/>
-                    <a:lumOff val="5000"/>
-                  </a:schemeClr>
-                </a:solidFill>
-              </a:rPr>
-              <a:t>Cliente</a:t>
-            </a:r>
-            <a:endParaRPr lang="pt-BR" dirty="0">
-              <a:solidFill>
-                <a:schemeClr val="tx1">
-                  <a:lumMod val="95000"/>
-                  <a:lumOff val="5000"/>
-                </a:schemeClr>
-              </a:solidFill>
-            </a:endParaRPr>
-          </a:p>
-        </p:txBody>
-      </p:sp>
-      <p:sp>
-        <p:nvSpPr>
-          <p:cNvPr id="13" name="Retângulo 12">
-            <a:extLst>
-              <a:ext uri="{FF2B5EF4-FFF2-40B4-BE49-F238E27FC236}">
-                <a16:creationId xmlns:a16="http://schemas.microsoft.com/office/drawing/2014/main" id="{BA0F4227-9EE3-1130-C22F-C28439E8F88B}"/>
-              </a:ext>
-            </a:extLst>
-          </p:cNvPr>
-          <p:cNvSpPr/>
-          <p:nvPr/>
-        </p:nvSpPr>
-        <p:spPr>
-          <a:xfrm>
-            <a:off x="9416902" y="2519916"/>
-            <a:ext cx="2456121" cy="914400"/>
-          </a:xfrm>
-          <a:prstGeom prst="rect">
-            <a:avLst/>
-          </a:prstGeom>
-        </p:spPr>
-        <p:style>
-          <a:lnRef idx="2">
-            <a:schemeClr val="accent3">
-              <a:shade val="15000"/>
-            </a:schemeClr>
-          </a:lnRef>
-          <a:fillRef idx="1">
-            <a:schemeClr val="accent3"/>
-          </a:fillRef>
-          <a:effectRef idx="0">
-            <a:schemeClr val="accent3"/>
-          </a:effectRef>
-          <a:fontRef idx="minor">
-            <a:schemeClr val="lt1"/>
-          </a:fontRef>
-        </p:style>
-        <p:txBody>
-          <a:bodyPr rtlCol="0" anchor="ctr"/>
-          <a:lstStyle/>
-          <a:p>
-            <a:pPr algn="ctr"/>
-            <a:r>
-              <a:rPr lang="pt-BR" sz="1800">
-                <a:solidFill>
-                  <a:schemeClr val="tx1">
-                    <a:lumMod val="95000"/>
-                    <a:lumOff val="5000"/>
-                  </a:schemeClr>
-                </a:solidFill>
-              </a:rPr>
-              <a:t>Vendedor</a:t>
-            </a:r>
-            <a:endParaRPr lang="pt-BR" dirty="0">
-              <a:solidFill>
-                <a:schemeClr val="tx1">
-                  <a:lumMod val="95000"/>
-                  <a:lumOff val="5000"/>
-                </a:schemeClr>
-              </a:solidFill>
-            </a:endParaRPr>
-          </a:p>
-        </p:txBody>
-      </p:sp>
-      <p:sp>
-        <p:nvSpPr>
-          <p:cNvPr id="14" name="Retângulo 13">
-            <a:extLst>
-              <a:ext uri="{FF2B5EF4-FFF2-40B4-BE49-F238E27FC236}">
-                <a16:creationId xmlns:a16="http://schemas.microsoft.com/office/drawing/2014/main" id="{236A744C-BBF1-4E48-916E-6736D19402AD}"/>
-              </a:ext>
-            </a:extLst>
-          </p:cNvPr>
-          <p:cNvSpPr/>
-          <p:nvPr/>
-        </p:nvSpPr>
-        <p:spPr>
-          <a:xfrm>
-            <a:off x="4795283" y="2514600"/>
-            <a:ext cx="2456121" cy="914400"/>
-          </a:xfrm>
-          <a:prstGeom prst="rect">
-            <a:avLst/>
-          </a:prstGeom>
-        </p:spPr>
-        <p:style>
-          <a:lnRef idx="2">
-            <a:schemeClr val="accent3">
-              <a:shade val="15000"/>
-            </a:schemeClr>
-          </a:lnRef>
-          <a:fillRef idx="1">
-            <a:schemeClr val="accent3"/>
-          </a:fillRef>
-          <a:effectRef idx="0">
-            <a:schemeClr val="accent3"/>
-          </a:effectRef>
-          <a:fontRef idx="minor">
-            <a:schemeClr val="lt1"/>
-          </a:fontRef>
-        </p:style>
-        <p:txBody>
-          <a:bodyPr rtlCol="0" anchor="ctr"/>
-          <a:lstStyle/>
-          <a:p>
-            <a:pPr algn="ctr"/>
-            <a:r>
-              <a:rPr lang="pt-BR" sz="1800" dirty="0">
-                <a:solidFill>
-                  <a:schemeClr val="tx1">
-                    <a:lumMod val="95000"/>
-                    <a:lumOff val="5000"/>
-                  </a:schemeClr>
-                </a:solidFill>
-              </a:rPr>
-              <a:t>Venda</a:t>
-            </a:r>
-            <a:endParaRPr lang="pt-BR" dirty="0">
-              <a:solidFill>
-                <a:schemeClr val="tx1">
-                  <a:lumMod val="95000"/>
-                  <a:lumOff val="5000"/>
-                </a:schemeClr>
-              </a:solidFill>
-            </a:endParaRPr>
-          </a:p>
-        </p:txBody>
-      </p:sp>
-      <p:sp>
-        <p:nvSpPr>
-          <p:cNvPr id="2" name="Losango 1">
-            <a:extLst>
-              <a:ext uri="{FF2B5EF4-FFF2-40B4-BE49-F238E27FC236}">
-                <a16:creationId xmlns:a16="http://schemas.microsoft.com/office/drawing/2014/main" id="{E8ED8A10-BBB8-0BAA-3D9D-05B5D9E503BE}"/>
-              </a:ext>
-            </a:extLst>
-          </p:cNvPr>
-          <p:cNvSpPr/>
-          <p:nvPr/>
-        </p:nvSpPr>
-        <p:spPr>
-          <a:xfrm>
-            <a:off x="3274828" y="2514600"/>
+            <a:off x="1026040" y="3678600"/>
             <a:ext cx="1041991" cy="914400"/>
           </a:xfrm>
           <a:prstGeom prst="diamond">
@@ -5504,172 +6275,25 @@
           </a:p>
         </p:txBody>
       </p:sp>
-      <p:sp>
-        <p:nvSpPr>
-          <p:cNvPr id="3" name="Losango 2">
-            <a:extLst>
-              <a:ext uri="{FF2B5EF4-FFF2-40B4-BE49-F238E27FC236}">
-                <a16:creationId xmlns:a16="http://schemas.microsoft.com/office/drawing/2014/main" id="{DE27A3EC-AE9C-B250-95E8-7EE498170254}"/>
-              </a:ext>
-            </a:extLst>
-          </p:cNvPr>
-          <p:cNvSpPr/>
-          <p:nvPr/>
-        </p:nvSpPr>
-        <p:spPr>
-          <a:xfrm>
-            <a:off x="7875181" y="2514600"/>
-            <a:ext cx="1041991" cy="914400"/>
-          </a:xfrm>
-          <a:prstGeom prst="diamond">
-            <a:avLst/>
-          </a:prstGeom>
-        </p:spPr>
-        <p:style>
-          <a:lnRef idx="2">
-            <a:schemeClr val="accent1">
-              <a:shade val="15000"/>
-            </a:schemeClr>
-          </a:lnRef>
-          <a:fillRef idx="1">
-            <a:schemeClr val="accent1"/>
-          </a:fillRef>
-          <a:effectRef idx="0">
-            <a:schemeClr val="accent1"/>
-          </a:effectRef>
-          <a:fontRef idx="minor">
-            <a:schemeClr val="lt1"/>
-          </a:fontRef>
-        </p:style>
-        <p:txBody>
-          <a:bodyPr rtlCol="0" anchor="ctr"/>
-          <a:lstStyle/>
-          <a:p>
-            <a:pPr algn="ctr"/>
-            <a:r>
-              <a:rPr lang="pt-BR" sz="1400" dirty="0"/>
-              <a:t>Está</a:t>
-            </a:r>
-          </a:p>
-        </p:txBody>
-      </p:sp>
-      <p:sp>
-        <p:nvSpPr>
-          <p:cNvPr id="4" name="Losango 3">
-            <a:extLst>
-              <a:ext uri="{FF2B5EF4-FFF2-40B4-BE49-F238E27FC236}">
-                <a16:creationId xmlns:a16="http://schemas.microsoft.com/office/drawing/2014/main" id="{C07C1439-7251-69A8-4551-5AAAA9B748DB}"/>
-              </a:ext>
-            </a:extLst>
-          </p:cNvPr>
-          <p:cNvSpPr/>
-          <p:nvPr/>
-        </p:nvSpPr>
-        <p:spPr>
-          <a:xfrm>
-            <a:off x="4795281" y="3678600"/>
-            <a:ext cx="2456124" cy="914400"/>
-          </a:xfrm>
-          <a:prstGeom prst="diamond">
-            <a:avLst/>
-          </a:prstGeom>
-        </p:spPr>
-        <p:style>
-          <a:lnRef idx="2">
-            <a:schemeClr val="accent1">
-              <a:shade val="15000"/>
-            </a:schemeClr>
-          </a:lnRef>
-          <a:fillRef idx="1">
-            <a:schemeClr val="accent1"/>
-          </a:fillRef>
-          <a:effectRef idx="0">
-            <a:schemeClr val="accent1"/>
-          </a:effectRef>
-          <a:fontRef idx="minor">
-            <a:schemeClr val="lt1"/>
-          </a:fontRef>
-        </p:style>
-        <p:txBody>
-          <a:bodyPr rtlCol="0" anchor="ctr"/>
-          <a:lstStyle/>
-          <a:p>
-            <a:pPr algn="ctr"/>
-            <a:r>
-              <a:rPr lang="pt-BR" sz="1400" dirty="0"/>
-              <a:t>solicita</a:t>
-            </a:r>
-          </a:p>
-        </p:txBody>
-      </p:sp>
-      <p:sp>
-        <p:nvSpPr>
-          <p:cNvPr id="5" name="Losango 4">
-            <a:extLst>
-              <a:ext uri="{FF2B5EF4-FFF2-40B4-BE49-F238E27FC236}">
-                <a16:creationId xmlns:a16="http://schemas.microsoft.com/office/drawing/2014/main" id="{CB824F52-2465-FA74-997F-CF4DBF326EC7}"/>
-              </a:ext>
-            </a:extLst>
-          </p:cNvPr>
-          <p:cNvSpPr/>
-          <p:nvPr/>
-        </p:nvSpPr>
-        <p:spPr>
-          <a:xfrm>
-            <a:off x="5346403" y="1361496"/>
-            <a:ext cx="1353880" cy="914400"/>
-          </a:xfrm>
-          <a:prstGeom prst="diamond">
-            <a:avLst/>
-          </a:prstGeom>
-        </p:spPr>
-        <p:style>
-          <a:lnRef idx="2">
-            <a:schemeClr val="accent1">
-              <a:shade val="15000"/>
-            </a:schemeClr>
-          </a:lnRef>
-          <a:fillRef idx="1">
-            <a:schemeClr val="accent1"/>
-          </a:fillRef>
-          <a:effectRef idx="0">
-            <a:schemeClr val="accent1"/>
-          </a:effectRef>
-          <a:fontRef idx="minor">
-            <a:schemeClr val="lt1"/>
-          </a:fontRef>
-        </p:style>
-        <p:txBody>
-          <a:bodyPr rtlCol="0" anchor="ctr"/>
-          <a:lstStyle/>
-          <a:p>
-            <a:pPr algn="ctr"/>
-            <a:r>
-              <a:rPr lang="pt-BR" sz="1400" dirty="0"/>
-              <a:t>Está</a:t>
-            </a:r>
-          </a:p>
-        </p:txBody>
-      </p:sp>
       <p:cxnSp>
         <p:nvCxnSpPr>
-          <p:cNvPr id="7" name="Conector reto 6">
-            <a:extLst>
-              <a:ext uri="{FF2B5EF4-FFF2-40B4-BE49-F238E27FC236}">
-                <a16:creationId xmlns:a16="http://schemas.microsoft.com/office/drawing/2014/main" id="{D6D97D54-AE49-8934-10E5-5499AB725F40}"/>
+          <p:cNvPr id="20" name="Conector reto 19">
+            <a:extLst>
+              <a:ext uri="{FF2B5EF4-FFF2-40B4-BE49-F238E27FC236}">
+                <a16:creationId xmlns:a16="http://schemas.microsoft.com/office/drawing/2014/main" id="{0A5EB984-7098-8BD8-3738-95294E0D7F7D}"/>
               </a:ext>
             </a:extLst>
           </p:cNvPr>
           <p:cNvCxnSpPr>
-            <a:stCxn id="5" idx="0"/>
-            <a:endCxn id="10" idx="2"/>
+            <a:stCxn id="16" idx="0"/>
+            <a:endCxn id="11" idx="2"/>
           </p:cNvCxnSpPr>
           <p:nvPr/>
         </p:nvCxnSpPr>
         <p:spPr>
           <a:xfrm flipV="1">
-            <a:off x="6023343" y="1227531"/>
-            <a:ext cx="1" cy="133965"/>
+            <a:off x="1547036" y="3429000"/>
+            <a:ext cx="2" cy="249600"/>
           </a:xfrm>
           <a:prstGeom prst="line">
             <a:avLst/>
@@ -5692,257 +6316,23 @@
       </p:cxnSp>
       <p:cxnSp>
         <p:nvCxnSpPr>
-          <p:cNvPr id="19" name="Conector reto 18">
-            <a:extLst>
-              <a:ext uri="{FF2B5EF4-FFF2-40B4-BE49-F238E27FC236}">
-                <a16:creationId xmlns:a16="http://schemas.microsoft.com/office/drawing/2014/main" id="{9B3C2316-BC43-AE85-C997-14A1D435A0D9}"/>
+          <p:cNvPr id="24" name="Conector reto 23">
+            <a:extLst>
+              <a:ext uri="{FF2B5EF4-FFF2-40B4-BE49-F238E27FC236}">
+                <a16:creationId xmlns:a16="http://schemas.microsoft.com/office/drawing/2014/main" id="{4B0580E3-4195-87A5-69BF-2874355E3111}"/>
               </a:ext>
             </a:extLst>
           </p:cNvPr>
           <p:cNvCxnSpPr>
-            <a:stCxn id="4" idx="0"/>
-            <a:endCxn id="14" idx="2"/>
+            <a:stCxn id="8" idx="0"/>
+            <a:endCxn id="16" idx="2"/>
           </p:cNvCxnSpPr>
           <p:nvPr/>
         </p:nvCxnSpPr>
         <p:spPr>
-          <a:xfrm flipV="1">
-            <a:off x="6023343" y="3429000"/>
-            <a:ext cx="1" cy="249600"/>
-          </a:xfrm>
-          <a:prstGeom prst="line">
-            <a:avLst/>
-          </a:prstGeom>
-        </p:spPr>
-        <p:style>
-          <a:lnRef idx="1">
-            <a:schemeClr val="accent1"/>
-          </a:lnRef>
-          <a:fillRef idx="0">
-            <a:schemeClr val="accent1"/>
-          </a:fillRef>
-          <a:effectRef idx="0">
-            <a:schemeClr val="accent1"/>
-          </a:effectRef>
-          <a:fontRef idx="minor">
-            <a:schemeClr val="tx1"/>
-          </a:fontRef>
-        </p:style>
-      </p:cxnSp>
-      <p:cxnSp>
-        <p:nvCxnSpPr>
-          <p:cNvPr id="21" name="Conector reto 20">
-            <a:extLst>
-              <a:ext uri="{FF2B5EF4-FFF2-40B4-BE49-F238E27FC236}">
-                <a16:creationId xmlns:a16="http://schemas.microsoft.com/office/drawing/2014/main" id="{8BB74DB3-2071-6F57-1F4B-24D16D49D41C}"/>
-              </a:ext>
-            </a:extLst>
-          </p:cNvPr>
-          <p:cNvCxnSpPr>
-            <a:stCxn id="4" idx="2"/>
-            <a:endCxn id="12" idx="0"/>
-          </p:cNvCxnSpPr>
-          <p:nvPr/>
-        </p:nvCxnSpPr>
-        <p:spPr>
-          <a:xfrm>
-            <a:off x="6023343" y="4593000"/>
+          <a:xfrm flipH="1" flipV="1">
+            <a:off x="1547036" y="4593000"/>
             <a:ext cx="1" cy="249601"/>
-          </a:xfrm>
-          <a:prstGeom prst="line">
-            <a:avLst/>
-          </a:prstGeom>
-        </p:spPr>
-        <p:style>
-          <a:lnRef idx="1">
-            <a:schemeClr val="accent1"/>
-          </a:lnRef>
-          <a:fillRef idx="0">
-            <a:schemeClr val="accent1"/>
-          </a:fillRef>
-          <a:effectRef idx="0">
-            <a:schemeClr val="accent1"/>
-          </a:effectRef>
-          <a:fontRef idx="minor">
-            <a:schemeClr val="tx1"/>
-          </a:fontRef>
-        </p:style>
-      </p:cxnSp>
-      <p:cxnSp>
-        <p:nvCxnSpPr>
-          <p:cNvPr id="23" name="Conector reto 22">
-            <a:extLst>
-              <a:ext uri="{FF2B5EF4-FFF2-40B4-BE49-F238E27FC236}">
-                <a16:creationId xmlns:a16="http://schemas.microsoft.com/office/drawing/2014/main" id="{D2D3BD62-FBC7-D107-0E0E-8756536BB283}"/>
-              </a:ext>
-            </a:extLst>
-          </p:cNvPr>
-          <p:cNvCxnSpPr>
-            <a:stCxn id="11" idx="3"/>
-            <a:endCxn id="2" idx="1"/>
-          </p:cNvCxnSpPr>
-          <p:nvPr/>
-        </p:nvCxnSpPr>
-        <p:spPr>
-          <a:xfrm>
-            <a:off x="2775098" y="2971800"/>
-            <a:ext cx="499730" cy="0"/>
-          </a:xfrm>
-          <a:prstGeom prst="line">
-            <a:avLst/>
-          </a:prstGeom>
-        </p:spPr>
-        <p:style>
-          <a:lnRef idx="1">
-            <a:schemeClr val="accent1"/>
-          </a:lnRef>
-          <a:fillRef idx="0">
-            <a:schemeClr val="accent1"/>
-          </a:fillRef>
-          <a:effectRef idx="0">
-            <a:schemeClr val="accent1"/>
-          </a:effectRef>
-          <a:fontRef idx="minor">
-            <a:schemeClr val="tx1"/>
-          </a:fontRef>
-        </p:style>
-      </p:cxnSp>
-      <p:cxnSp>
-        <p:nvCxnSpPr>
-          <p:cNvPr id="25" name="Conector reto 24">
-            <a:extLst>
-              <a:ext uri="{FF2B5EF4-FFF2-40B4-BE49-F238E27FC236}">
-                <a16:creationId xmlns:a16="http://schemas.microsoft.com/office/drawing/2014/main" id="{0E5F20AF-3CBD-C9B1-4AFB-7E8986ACD136}"/>
-              </a:ext>
-            </a:extLst>
-          </p:cNvPr>
-          <p:cNvCxnSpPr>
-            <a:stCxn id="2" idx="3"/>
-            <a:endCxn id="14" idx="1"/>
-          </p:cNvCxnSpPr>
-          <p:nvPr/>
-        </p:nvCxnSpPr>
-        <p:spPr>
-          <a:xfrm>
-            <a:off x="4316819" y="2971800"/>
-            <a:ext cx="478464" cy="0"/>
-          </a:xfrm>
-          <a:prstGeom prst="line">
-            <a:avLst/>
-          </a:prstGeom>
-        </p:spPr>
-        <p:style>
-          <a:lnRef idx="1">
-            <a:schemeClr val="accent1"/>
-          </a:lnRef>
-          <a:fillRef idx="0">
-            <a:schemeClr val="accent1"/>
-          </a:fillRef>
-          <a:effectRef idx="0">
-            <a:schemeClr val="accent1"/>
-          </a:effectRef>
-          <a:fontRef idx="minor">
-            <a:schemeClr val="tx1"/>
-          </a:fontRef>
-        </p:style>
-      </p:cxnSp>
-      <p:cxnSp>
-        <p:nvCxnSpPr>
-          <p:cNvPr id="27" name="Conector reto 26">
-            <a:extLst>
-              <a:ext uri="{FF2B5EF4-FFF2-40B4-BE49-F238E27FC236}">
-                <a16:creationId xmlns:a16="http://schemas.microsoft.com/office/drawing/2014/main" id="{802F9969-C425-19E1-B067-35177113938E}"/>
-              </a:ext>
-            </a:extLst>
-          </p:cNvPr>
-          <p:cNvCxnSpPr>
-            <a:stCxn id="14" idx="3"/>
-            <a:endCxn id="3" idx="1"/>
-          </p:cNvCxnSpPr>
-          <p:nvPr/>
-        </p:nvCxnSpPr>
-        <p:spPr>
-          <a:xfrm>
-            <a:off x="7251404" y="2971800"/>
-            <a:ext cx="623777" cy="0"/>
-          </a:xfrm>
-          <a:prstGeom prst="line">
-            <a:avLst/>
-          </a:prstGeom>
-        </p:spPr>
-        <p:style>
-          <a:lnRef idx="1">
-            <a:schemeClr val="accent1"/>
-          </a:lnRef>
-          <a:fillRef idx="0">
-            <a:schemeClr val="accent1"/>
-          </a:fillRef>
-          <a:effectRef idx="0">
-            <a:schemeClr val="accent1"/>
-          </a:effectRef>
-          <a:fontRef idx="minor">
-            <a:schemeClr val="tx1"/>
-          </a:fontRef>
-        </p:style>
-      </p:cxnSp>
-      <p:cxnSp>
-        <p:nvCxnSpPr>
-          <p:cNvPr id="29" name="Conector reto 28">
-            <a:extLst>
-              <a:ext uri="{FF2B5EF4-FFF2-40B4-BE49-F238E27FC236}">
-                <a16:creationId xmlns:a16="http://schemas.microsoft.com/office/drawing/2014/main" id="{C5D662EF-2203-489C-2510-F423123D949C}"/>
-              </a:ext>
-            </a:extLst>
-          </p:cNvPr>
-          <p:cNvCxnSpPr>
-            <a:stCxn id="3" idx="3"/>
-            <a:endCxn id="13" idx="1"/>
-          </p:cNvCxnSpPr>
-          <p:nvPr/>
-        </p:nvCxnSpPr>
-        <p:spPr>
-          <a:xfrm>
-            <a:off x="8917172" y="2971800"/>
-            <a:ext cx="499730" cy="5316"/>
-          </a:xfrm>
-          <a:prstGeom prst="line">
-            <a:avLst/>
-          </a:prstGeom>
-        </p:spPr>
-        <p:style>
-          <a:lnRef idx="1">
-            <a:schemeClr val="accent1"/>
-          </a:lnRef>
-          <a:fillRef idx="0">
-            <a:schemeClr val="accent1"/>
-          </a:fillRef>
-          <a:effectRef idx="0">
-            <a:schemeClr val="accent1"/>
-          </a:effectRef>
-          <a:fontRef idx="minor">
-            <a:schemeClr val="tx1"/>
-          </a:fontRef>
-        </p:style>
-      </p:cxnSp>
-      <p:cxnSp>
-        <p:nvCxnSpPr>
-          <p:cNvPr id="32" name="Conector reto 31">
-            <a:extLst>
-              <a:ext uri="{FF2B5EF4-FFF2-40B4-BE49-F238E27FC236}">
-                <a16:creationId xmlns:a16="http://schemas.microsoft.com/office/drawing/2014/main" id="{F6CFEF37-CF22-77D8-EA69-4B4C333001FA}"/>
-              </a:ext>
-            </a:extLst>
-          </p:cNvPr>
-          <p:cNvCxnSpPr>
-            <a:stCxn id="5" idx="2"/>
-            <a:endCxn id="14" idx="0"/>
-          </p:cNvCxnSpPr>
-          <p:nvPr/>
-        </p:nvCxnSpPr>
-        <p:spPr>
-          <a:xfrm>
-            <a:off x="6023343" y="2275896"/>
-            <a:ext cx="1" cy="238704"/>
           </a:xfrm>
           <a:prstGeom prst="line">
             <a:avLst/>
@@ -6501,7 +6891,7 @@
         </p:nvSpPr>
         <p:spPr>
           <a:xfrm>
-            <a:off x="9682716" y="2688069"/>
+            <a:off x="9609242" y="2688069"/>
             <a:ext cx="2509284" cy="914400"/>
           </a:xfrm>
           <a:prstGeom prst="rect">
@@ -6601,7 +6991,7 @@
         </p:nvSpPr>
         <p:spPr>
           <a:xfrm>
-            <a:off x="7049387" y="5667154"/>
+            <a:off x="6592664" y="5646537"/>
             <a:ext cx="2509284" cy="914400"/>
           </a:xfrm>
           <a:prstGeom prst="rect">
@@ -6650,7 +7040,7 @@
         </p:nvSpPr>
         <p:spPr>
           <a:xfrm>
-            <a:off x="3193754" y="5646537"/>
+            <a:off x="3110023" y="5646537"/>
             <a:ext cx="2509284" cy="914400"/>
           </a:xfrm>
           <a:prstGeom prst="rect">
@@ -6688,10 +7078,10 @@
       </p:sp>
       <p:sp>
         <p:nvSpPr>
-          <p:cNvPr id="2" name="Losango 1">
-            <a:extLst>
-              <a:ext uri="{FF2B5EF4-FFF2-40B4-BE49-F238E27FC236}">
-                <a16:creationId xmlns:a16="http://schemas.microsoft.com/office/drawing/2014/main" id="{51030862-E3C2-3871-8F8D-D315A9A761E7}"/>
+          <p:cNvPr id="12" name="Losango 11">
+            <a:extLst>
+              <a:ext uri="{FF2B5EF4-FFF2-40B4-BE49-F238E27FC236}">
+                <a16:creationId xmlns:a16="http://schemas.microsoft.com/office/drawing/2014/main" id="{6F025682-8BCB-02AA-0AFD-4C4B09550541}"/>
               </a:ext>
             </a:extLst>
           </p:cNvPr>
@@ -6700,7 +7090,7 @@
         </p:nvSpPr>
         <p:spPr>
           <a:xfrm>
-            <a:off x="9948530" y="4335177"/>
+            <a:off x="2692030" y="2688069"/>
             <a:ext cx="1977656" cy="914400"/>
           </a:xfrm>
           <a:prstGeom prst="diamond">
@@ -6730,17 +7120,17 @@
             <a:pPr algn="ctr"/>
             <a:r>
               <a:rPr lang="pt-BR" dirty="0"/>
-              <a:t>Tem</a:t>
-            </a:r>
-          </a:p>
-        </p:txBody>
-      </p:sp>
-      <p:sp>
-        <p:nvSpPr>
-          <p:cNvPr id="10" name="Losango 9">
-            <a:extLst>
-              <a:ext uri="{FF2B5EF4-FFF2-40B4-BE49-F238E27FC236}">
-                <a16:creationId xmlns:a16="http://schemas.microsoft.com/office/drawing/2014/main" id="{CEF3AA61-3B94-8045-383C-E0F63D99B45D}"/>
+              <a:t>Está</a:t>
+            </a:r>
+          </a:p>
+        </p:txBody>
+      </p:sp>
+      <p:sp>
+        <p:nvSpPr>
+          <p:cNvPr id="13" name="Losango 12">
+            <a:extLst>
+              <a:ext uri="{FF2B5EF4-FFF2-40B4-BE49-F238E27FC236}">
+                <a16:creationId xmlns:a16="http://schemas.microsoft.com/office/drawing/2014/main" id="{4EF2E80E-DF08-3907-E70A-A1F30937E5C5}"/>
               </a:ext>
             </a:extLst>
           </p:cNvPr>
@@ -6749,7 +7139,7 @@
         </p:nvSpPr>
         <p:spPr>
           <a:xfrm>
-            <a:off x="7315201" y="4286527"/>
+            <a:off x="7474687" y="2690665"/>
             <a:ext cx="1977656" cy="914400"/>
           </a:xfrm>
           <a:prstGeom prst="diamond">
@@ -6779,17 +7169,17 @@
             <a:pPr algn="ctr"/>
             <a:r>
               <a:rPr lang="pt-BR" dirty="0"/>
-              <a:t>Tem</a:t>
-            </a:r>
-          </a:p>
-        </p:txBody>
-      </p:sp>
-      <p:sp>
-        <p:nvSpPr>
-          <p:cNvPr id="11" name="Losango 10">
-            <a:extLst>
-              <a:ext uri="{FF2B5EF4-FFF2-40B4-BE49-F238E27FC236}">
-                <a16:creationId xmlns:a16="http://schemas.microsoft.com/office/drawing/2014/main" id="{37159584-E44C-5FF3-AE48-3D280B641BBB}"/>
+              <a:t>Realiza</a:t>
+            </a:r>
+          </a:p>
+        </p:txBody>
+      </p:sp>
+      <p:sp>
+        <p:nvSpPr>
+          <p:cNvPr id="14" name="Losango 13">
+            <a:extLst>
+              <a:ext uri="{FF2B5EF4-FFF2-40B4-BE49-F238E27FC236}">
+                <a16:creationId xmlns:a16="http://schemas.microsoft.com/office/drawing/2014/main" id="{04028166-AD75-9C02-DDBD-18CE1DF59803}"/>
               </a:ext>
             </a:extLst>
           </p:cNvPr>
@@ -6798,7 +7188,7 @@
         </p:nvSpPr>
         <p:spPr>
           <a:xfrm>
-            <a:off x="3459568" y="4198887"/>
+            <a:off x="5107172" y="1539614"/>
             <a:ext cx="1977656" cy="914400"/>
           </a:xfrm>
           <a:prstGeom prst="diamond">
@@ -6828,153 +7218,6 @@
             <a:pPr algn="ctr"/>
             <a:r>
               <a:rPr lang="pt-BR" dirty="0"/>
-              <a:t>Tem</a:t>
-            </a:r>
-          </a:p>
-        </p:txBody>
-      </p:sp>
-      <p:sp>
-        <p:nvSpPr>
-          <p:cNvPr id="12" name="Losango 11">
-            <a:extLst>
-              <a:ext uri="{FF2B5EF4-FFF2-40B4-BE49-F238E27FC236}">
-                <a16:creationId xmlns:a16="http://schemas.microsoft.com/office/drawing/2014/main" id="{6F025682-8BCB-02AA-0AFD-4C4B09550541}"/>
-              </a:ext>
-            </a:extLst>
-          </p:cNvPr>
-          <p:cNvSpPr/>
-          <p:nvPr/>
-        </p:nvSpPr>
-        <p:spPr>
-          <a:xfrm>
-            <a:off x="2692030" y="2688069"/>
-            <a:ext cx="1977656" cy="914400"/>
-          </a:xfrm>
-          <a:prstGeom prst="diamond">
-            <a:avLst/>
-          </a:prstGeom>
-        </p:spPr>
-        <p:style>
-          <a:lnRef idx="2">
-            <a:schemeClr val="accent1">
-              <a:shade val="15000"/>
-            </a:schemeClr>
-          </a:lnRef>
-          <a:fillRef idx="1">
-            <a:schemeClr val="accent1"/>
-          </a:fillRef>
-          <a:effectRef idx="0">
-            <a:schemeClr val="accent1"/>
-          </a:effectRef>
-          <a:fontRef idx="minor">
-            <a:schemeClr val="lt1"/>
-          </a:fontRef>
-        </p:style>
-        <p:txBody>
-          <a:bodyPr rtlCol="0" anchor="ctr"/>
-          <a:lstStyle/>
-          <a:p>
-            <a:pPr algn="ctr"/>
-            <a:r>
-              <a:rPr lang="pt-BR" dirty="0"/>
-              <a:t>Está</a:t>
-            </a:r>
-          </a:p>
-        </p:txBody>
-      </p:sp>
-      <p:sp>
-        <p:nvSpPr>
-          <p:cNvPr id="13" name="Losango 12">
-            <a:extLst>
-              <a:ext uri="{FF2B5EF4-FFF2-40B4-BE49-F238E27FC236}">
-                <a16:creationId xmlns:a16="http://schemas.microsoft.com/office/drawing/2014/main" id="{4EF2E80E-DF08-3907-E70A-A1F30937E5C5}"/>
-              </a:ext>
-            </a:extLst>
-          </p:cNvPr>
-          <p:cNvSpPr/>
-          <p:nvPr/>
-        </p:nvSpPr>
-        <p:spPr>
-          <a:xfrm>
-            <a:off x="7474687" y="2690665"/>
-            <a:ext cx="1977656" cy="914400"/>
-          </a:xfrm>
-          <a:prstGeom prst="diamond">
-            <a:avLst/>
-          </a:prstGeom>
-        </p:spPr>
-        <p:style>
-          <a:lnRef idx="2">
-            <a:schemeClr val="accent1">
-              <a:shade val="15000"/>
-            </a:schemeClr>
-          </a:lnRef>
-          <a:fillRef idx="1">
-            <a:schemeClr val="accent1"/>
-          </a:fillRef>
-          <a:effectRef idx="0">
-            <a:schemeClr val="accent1"/>
-          </a:effectRef>
-          <a:fontRef idx="minor">
-            <a:schemeClr val="lt1"/>
-          </a:fontRef>
-        </p:style>
-        <p:txBody>
-          <a:bodyPr rtlCol="0" anchor="ctr"/>
-          <a:lstStyle/>
-          <a:p>
-            <a:pPr algn="ctr"/>
-            <a:r>
-              <a:rPr lang="pt-BR" dirty="0"/>
-              <a:t>Realiza</a:t>
-            </a:r>
-          </a:p>
-        </p:txBody>
-      </p:sp>
-      <p:sp>
-        <p:nvSpPr>
-          <p:cNvPr id="14" name="Losango 13">
-            <a:extLst>
-              <a:ext uri="{FF2B5EF4-FFF2-40B4-BE49-F238E27FC236}">
-                <a16:creationId xmlns:a16="http://schemas.microsoft.com/office/drawing/2014/main" id="{04028166-AD75-9C02-DDBD-18CE1DF59803}"/>
-              </a:ext>
-            </a:extLst>
-          </p:cNvPr>
-          <p:cNvSpPr/>
-          <p:nvPr/>
-        </p:nvSpPr>
-        <p:spPr>
-          <a:xfrm>
-            <a:off x="5107172" y="1539614"/>
-            <a:ext cx="1977656" cy="914400"/>
-          </a:xfrm>
-          <a:prstGeom prst="diamond">
-            <a:avLst/>
-          </a:prstGeom>
-        </p:spPr>
-        <p:style>
-          <a:lnRef idx="2">
-            <a:schemeClr val="accent1">
-              <a:shade val="15000"/>
-            </a:schemeClr>
-          </a:lnRef>
-          <a:fillRef idx="1">
-            <a:schemeClr val="accent1"/>
-          </a:fillRef>
-          <a:effectRef idx="0">
-            <a:schemeClr val="accent1"/>
-          </a:effectRef>
-          <a:fontRef idx="minor">
-            <a:schemeClr val="lt1"/>
-          </a:fontRef>
-        </p:style>
-        <p:txBody>
-          <a:bodyPr rtlCol="0" anchor="ctr"/>
-          <a:lstStyle/>
-          <a:p>
-            <a:pPr algn="ctr"/>
-            <a:r>
-              <a:rPr lang="pt-BR" dirty="0"/>
               <a:t>Agenda</a:t>
             </a:r>
           </a:p>
@@ -7038,165 +7281,6 @@
           <a:xfrm>
             <a:off x="4669686" y="3145269"/>
             <a:ext cx="171672" cy="2596"/>
-          </a:xfrm>
-          <a:prstGeom prst="line">
-            <a:avLst/>
-          </a:prstGeom>
-        </p:spPr>
-        <p:style>
-          <a:lnRef idx="1">
-            <a:schemeClr val="accent1"/>
-          </a:lnRef>
-          <a:fillRef idx="0">
-            <a:schemeClr val="accent1"/>
-          </a:fillRef>
-          <a:effectRef idx="0">
-            <a:schemeClr val="accent1"/>
-          </a:effectRef>
-          <a:fontRef idx="minor">
-            <a:schemeClr val="tx1"/>
-          </a:fontRef>
-        </p:style>
-      </p:cxnSp>
-      <p:cxnSp>
-        <p:nvCxnSpPr>
-          <p:cNvPr id="20" name="Conector reto 19">
-            <a:extLst>
-              <a:ext uri="{FF2B5EF4-FFF2-40B4-BE49-F238E27FC236}">
-                <a16:creationId xmlns:a16="http://schemas.microsoft.com/office/drawing/2014/main" id="{1978156E-7FA9-B043-6DBB-04B2B060710E}"/>
-              </a:ext>
-            </a:extLst>
-          </p:cNvPr>
-          <p:cNvCxnSpPr>
-            <a:cxnSpLocks/>
-            <a:stCxn id="10" idx="0"/>
-            <a:endCxn id="4" idx="2"/>
-          </p:cNvCxnSpPr>
-          <p:nvPr/>
-        </p:nvCxnSpPr>
-        <p:spPr>
-          <a:xfrm flipH="1" flipV="1">
-            <a:off x="6096000" y="3605065"/>
-            <a:ext cx="2208029" cy="681462"/>
-          </a:xfrm>
-          <a:prstGeom prst="line">
-            <a:avLst/>
-          </a:prstGeom>
-        </p:spPr>
-        <p:style>
-          <a:lnRef idx="1">
-            <a:schemeClr val="accent1"/>
-          </a:lnRef>
-          <a:fillRef idx="0">
-            <a:schemeClr val="accent1"/>
-          </a:fillRef>
-          <a:effectRef idx="0">
-            <a:schemeClr val="accent1"/>
-          </a:effectRef>
-          <a:fontRef idx="minor">
-            <a:schemeClr val="tx1"/>
-          </a:fontRef>
-        </p:style>
-      </p:cxnSp>
-      <p:cxnSp>
-        <p:nvCxnSpPr>
-          <p:cNvPr id="23" name="Conector reto 22">
-            <a:extLst>
-              <a:ext uri="{FF2B5EF4-FFF2-40B4-BE49-F238E27FC236}">
-                <a16:creationId xmlns:a16="http://schemas.microsoft.com/office/drawing/2014/main" id="{4A3DAF5B-B1B5-45FF-B7CA-88E61C5FD480}"/>
-              </a:ext>
-            </a:extLst>
-          </p:cNvPr>
-          <p:cNvCxnSpPr>
-            <a:cxnSpLocks/>
-            <a:stCxn id="10" idx="2"/>
-            <a:endCxn id="8" idx="0"/>
-          </p:cNvCxnSpPr>
-          <p:nvPr/>
-        </p:nvCxnSpPr>
-        <p:spPr>
-          <a:xfrm>
-            <a:off x="8304029" y="5200927"/>
-            <a:ext cx="0" cy="466227"/>
-          </a:xfrm>
-          <a:prstGeom prst="line">
-            <a:avLst/>
-          </a:prstGeom>
-        </p:spPr>
-        <p:style>
-          <a:lnRef idx="1">
-            <a:schemeClr val="accent1"/>
-          </a:lnRef>
-          <a:fillRef idx="0">
-            <a:schemeClr val="accent1"/>
-          </a:fillRef>
-          <a:effectRef idx="0">
-            <a:schemeClr val="accent1"/>
-          </a:effectRef>
-          <a:fontRef idx="minor">
-            <a:schemeClr val="tx1"/>
-          </a:fontRef>
-        </p:style>
-      </p:cxnSp>
-      <p:cxnSp>
-        <p:nvCxnSpPr>
-          <p:cNvPr id="26" name="Conector reto 25">
-            <a:extLst>
-              <a:ext uri="{FF2B5EF4-FFF2-40B4-BE49-F238E27FC236}">
-                <a16:creationId xmlns:a16="http://schemas.microsoft.com/office/drawing/2014/main" id="{1ACF4AEB-5C40-F5DF-5110-26C817BD5C64}"/>
-              </a:ext>
-            </a:extLst>
-          </p:cNvPr>
-          <p:cNvCxnSpPr>
-            <a:stCxn id="8" idx="3"/>
-            <a:endCxn id="2" idx="2"/>
-          </p:cNvCxnSpPr>
-          <p:nvPr/>
-        </p:nvCxnSpPr>
-        <p:spPr>
-          <a:xfrm flipV="1">
-            <a:off x="9558671" y="5249577"/>
-            <a:ext cx="1378687" cy="874777"/>
-          </a:xfrm>
-          <a:prstGeom prst="line">
-            <a:avLst/>
-          </a:prstGeom>
-        </p:spPr>
-        <p:style>
-          <a:lnRef idx="1">
-            <a:schemeClr val="accent1"/>
-          </a:lnRef>
-          <a:fillRef idx="0">
-            <a:schemeClr val="accent1"/>
-          </a:fillRef>
-          <a:effectRef idx="0">
-            <a:schemeClr val="accent1"/>
-          </a:effectRef>
-          <a:fontRef idx="minor">
-            <a:schemeClr val="tx1"/>
-          </a:fontRef>
-        </p:style>
-      </p:cxnSp>
-      <p:cxnSp>
-        <p:nvCxnSpPr>
-          <p:cNvPr id="28" name="Conector reto 27">
-            <a:extLst>
-              <a:ext uri="{FF2B5EF4-FFF2-40B4-BE49-F238E27FC236}">
-                <a16:creationId xmlns:a16="http://schemas.microsoft.com/office/drawing/2014/main" id="{C4E04D9E-78C2-11EF-C5DC-1276B8646167}"/>
-              </a:ext>
-            </a:extLst>
-          </p:cNvPr>
-          <p:cNvCxnSpPr>
-            <a:cxnSpLocks/>
-            <a:stCxn id="2" idx="0"/>
-            <a:endCxn id="6" idx="2"/>
-          </p:cNvCxnSpPr>
-          <p:nvPr/>
-        </p:nvCxnSpPr>
-        <p:spPr>
-          <a:xfrm flipV="1">
-            <a:off x="10937358" y="3602469"/>
-            <a:ext cx="0" cy="732708"/>
           </a:xfrm>
           <a:prstGeom prst="line">
             <a:avLst/>
@@ -7298,84 +7382,6 @@
       </p:cxnSp>
       <p:cxnSp>
         <p:nvCxnSpPr>
-          <p:cNvPr id="47" name="Conector reto 46">
-            <a:extLst>
-              <a:ext uri="{FF2B5EF4-FFF2-40B4-BE49-F238E27FC236}">
-                <a16:creationId xmlns:a16="http://schemas.microsoft.com/office/drawing/2014/main" id="{8B19E930-0955-5372-2B59-D17E86D50286}"/>
-              </a:ext>
-            </a:extLst>
-          </p:cNvPr>
-          <p:cNvCxnSpPr>
-            <a:stCxn id="11" idx="0"/>
-            <a:endCxn id="4" idx="2"/>
-          </p:cNvCxnSpPr>
-          <p:nvPr/>
-        </p:nvCxnSpPr>
-        <p:spPr>
-          <a:xfrm flipV="1">
-            <a:off x="4448396" y="3605065"/>
-            <a:ext cx="1647604" cy="593822"/>
-          </a:xfrm>
-          <a:prstGeom prst="line">
-            <a:avLst/>
-          </a:prstGeom>
-        </p:spPr>
-        <p:style>
-          <a:lnRef idx="1">
-            <a:schemeClr val="accent1"/>
-          </a:lnRef>
-          <a:fillRef idx="0">
-            <a:schemeClr val="accent1"/>
-          </a:fillRef>
-          <a:effectRef idx="0">
-            <a:schemeClr val="accent1"/>
-          </a:effectRef>
-          <a:fontRef idx="minor">
-            <a:schemeClr val="tx1"/>
-          </a:fontRef>
-        </p:style>
-      </p:cxnSp>
-      <p:cxnSp>
-        <p:nvCxnSpPr>
-          <p:cNvPr id="49" name="Conector reto 48">
-            <a:extLst>
-              <a:ext uri="{FF2B5EF4-FFF2-40B4-BE49-F238E27FC236}">
-                <a16:creationId xmlns:a16="http://schemas.microsoft.com/office/drawing/2014/main" id="{EB435C25-1CB6-82A5-E90C-2106202373A5}"/>
-              </a:ext>
-            </a:extLst>
-          </p:cNvPr>
-          <p:cNvCxnSpPr>
-            <a:stCxn id="11" idx="2"/>
-            <a:endCxn id="9" idx="0"/>
-          </p:cNvCxnSpPr>
-          <p:nvPr/>
-        </p:nvCxnSpPr>
-        <p:spPr>
-          <a:xfrm>
-            <a:off x="4448396" y="5113287"/>
-            <a:ext cx="0" cy="533250"/>
-          </a:xfrm>
-          <a:prstGeom prst="line">
-            <a:avLst/>
-          </a:prstGeom>
-        </p:spPr>
-        <p:style>
-          <a:lnRef idx="1">
-            <a:schemeClr val="accent1"/>
-          </a:lnRef>
-          <a:fillRef idx="0">
-            <a:schemeClr val="accent1"/>
-          </a:fillRef>
-          <a:effectRef idx="0">
-            <a:schemeClr val="accent1"/>
-          </a:effectRef>
-          <a:fontRef idx="minor">
-            <a:schemeClr val="tx1"/>
-          </a:fontRef>
-        </p:style>
-      </p:cxnSp>
-      <p:cxnSp>
-        <p:nvCxnSpPr>
           <p:cNvPr id="51" name="Conector reto 50">
             <a:extLst>
               <a:ext uri="{FF2B5EF4-FFF2-40B4-BE49-F238E27FC236}">
@@ -7431,7 +7437,919 @@
         <p:spPr>
           <a:xfrm flipV="1">
             <a:off x="9452343" y="3145269"/>
-            <a:ext cx="230373" cy="2596"/>
+            <a:ext cx="156899" cy="2596"/>
+          </a:xfrm>
+          <a:prstGeom prst="line">
+            <a:avLst/>
+          </a:prstGeom>
+        </p:spPr>
+        <p:style>
+          <a:lnRef idx="1">
+            <a:schemeClr val="accent1"/>
+          </a:lnRef>
+          <a:fillRef idx="0">
+            <a:schemeClr val="accent1"/>
+          </a:fillRef>
+          <a:effectRef idx="0">
+            <a:schemeClr val="accent1"/>
+          </a:effectRef>
+          <a:fontRef idx="minor">
+            <a:schemeClr val="tx1"/>
+          </a:fontRef>
+        </p:style>
+      </p:cxnSp>
+      <p:sp>
+        <p:nvSpPr>
+          <p:cNvPr id="3" name="Retângulo 2">
+            <a:extLst>
+              <a:ext uri="{FF2B5EF4-FFF2-40B4-BE49-F238E27FC236}">
+                <a16:creationId xmlns:a16="http://schemas.microsoft.com/office/drawing/2014/main" id="{21E3814E-695A-85ED-17B2-BE98B48C9C45}"/>
+              </a:ext>
+            </a:extLst>
+          </p:cNvPr>
+          <p:cNvSpPr/>
+          <p:nvPr/>
+        </p:nvSpPr>
+        <p:spPr>
+          <a:xfrm>
+            <a:off x="3110023" y="4434828"/>
+            <a:ext cx="2509284" cy="519760"/>
+          </a:xfrm>
+          <a:prstGeom prst="rect">
+            <a:avLst/>
+          </a:prstGeom>
+        </p:spPr>
+        <p:style>
+          <a:lnRef idx="2">
+            <a:schemeClr val="accent1">
+              <a:shade val="15000"/>
+            </a:schemeClr>
+          </a:lnRef>
+          <a:fillRef idx="1">
+            <a:schemeClr val="accent1"/>
+          </a:fillRef>
+          <a:effectRef idx="0">
+            <a:schemeClr val="accent1"/>
+          </a:effectRef>
+          <a:fontRef idx="minor">
+            <a:schemeClr val="lt1"/>
+          </a:fontRef>
+        </p:style>
+        <p:txBody>
+          <a:bodyPr rtlCol="0" anchor="ctr"/>
+          <a:lstStyle/>
+          <a:p>
+            <a:pPr algn="ctr"/>
+            <a:r>
+              <a:rPr lang="pt-BR" sz="2800" dirty="0" err="1"/>
+              <a:t>ItemTipoPgto</a:t>
+            </a:r>
+            <a:endParaRPr lang="pt-BR" sz="2800" dirty="0"/>
+          </a:p>
+        </p:txBody>
+      </p:sp>
+      <p:sp>
+        <p:nvSpPr>
+          <p:cNvPr id="15" name="Losango 14">
+            <a:extLst>
+              <a:ext uri="{FF2B5EF4-FFF2-40B4-BE49-F238E27FC236}">
+                <a16:creationId xmlns:a16="http://schemas.microsoft.com/office/drawing/2014/main" id="{0616B53B-4674-7401-A29D-C927ED9CECF7}"/>
+              </a:ext>
+            </a:extLst>
+          </p:cNvPr>
+          <p:cNvSpPr/>
+          <p:nvPr/>
+        </p:nvSpPr>
+        <p:spPr>
+          <a:xfrm>
+            <a:off x="3375837" y="3909093"/>
+            <a:ext cx="1977656" cy="430632"/>
+          </a:xfrm>
+          <a:prstGeom prst="diamond">
+            <a:avLst/>
+          </a:prstGeom>
+        </p:spPr>
+        <p:style>
+          <a:lnRef idx="2">
+            <a:schemeClr val="accent1">
+              <a:shade val="15000"/>
+            </a:schemeClr>
+          </a:lnRef>
+          <a:fillRef idx="1">
+            <a:schemeClr val="accent1"/>
+          </a:fillRef>
+          <a:effectRef idx="0">
+            <a:schemeClr val="accent1"/>
+          </a:effectRef>
+          <a:fontRef idx="minor">
+            <a:schemeClr val="lt1"/>
+          </a:fontRef>
+        </p:style>
+        <p:txBody>
+          <a:bodyPr rtlCol="0" anchor="ctr"/>
+          <a:lstStyle/>
+          <a:p>
+            <a:pPr algn="ctr"/>
+            <a:r>
+              <a:rPr lang="pt-BR" dirty="0"/>
+              <a:t>Está</a:t>
+            </a:r>
+          </a:p>
+        </p:txBody>
+      </p:sp>
+      <p:sp>
+        <p:nvSpPr>
+          <p:cNvPr id="17" name="Losango 16">
+            <a:extLst>
+              <a:ext uri="{FF2B5EF4-FFF2-40B4-BE49-F238E27FC236}">
+                <a16:creationId xmlns:a16="http://schemas.microsoft.com/office/drawing/2014/main" id="{762C13E4-774D-72B1-C3EF-CEAF74EA07AC}"/>
+              </a:ext>
+            </a:extLst>
+          </p:cNvPr>
+          <p:cNvSpPr/>
+          <p:nvPr/>
+        </p:nvSpPr>
+        <p:spPr>
+          <a:xfrm>
+            <a:off x="3375837" y="5103070"/>
+            <a:ext cx="1977656" cy="430632"/>
+          </a:xfrm>
+          <a:prstGeom prst="diamond">
+            <a:avLst/>
+          </a:prstGeom>
+        </p:spPr>
+        <p:style>
+          <a:lnRef idx="2">
+            <a:schemeClr val="accent1">
+              <a:shade val="15000"/>
+            </a:schemeClr>
+          </a:lnRef>
+          <a:fillRef idx="1">
+            <a:schemeClr val="accent1"/>
+          </a:fillRef>
+          <a:effectRef idx="0">
+            <a:schemeClr val="accent1"/>
+          </a:effectRef>
+          <a:fontRef idx="minor">
+            <a:schemeClr val="lt1"/>
+          </a:fontRef>
+        </p:style>
+        <p:txBody>
+          <a:bodyPr rtlCol="0" anchor="ctr"/>
+          <a:lstStyle/>
+          <a:p>
+            <a:pPr algn="ctr"/>
+            <a:r>
+              <a:rPr lang="pt-BR" dirty="0"/>
+              <a:t>Está</a:t>
+            </a:r>
+          </a:p>
+        </p:txBody>
+      </p:sp>
+      <p:sp>
+        <p:nvSpPr>
+          <p:cNvPr id="19" name="Retângulo 18">
+            <a:extLst>
+              <a:ext uri="{FF2B5EF4-FFF2-40B4-BE49-F238E27FC236}">
+                <a16:creationId xmlns:a16="http://schemas.microsoft.com/office/drawing/2014/main" id="{5DE22071-627F-372E-A9C3-1A44EC537003}"/>
+              </a:ext>
+            </a:extLst>
+          </p:cNvPr>
+          <p:cNvSpPr/>
+          <p:nvPr/>
+        </p:nvSpPr>
+        <p:spPr>
+          <a:xfrm>
+            <a:off x="6592664" y="4434828"/>
+            <a:ext cx="2509284" cy="519760"/>
+          </a:xfrm>
+          <a:prstGeom prst="rect">
+            <a:avLst/>
+          </a:prstGeom>
+        </p:spPr>
+        <p:style>
+          <a:lnRef idx="2">
+            <a:schemeClr val="accent1">
+              <a:shade val="15000"/>
+            </a:schemeClr>
+          </a:lnRef>
+          <a:fillRef idx="1">
+            <a:schemeClr val="accent1"/>
+          </a:fillRef>
+          <a:effectRef idx="0">
+            <a:schemeClr val="accent1"/>
+          </a:effectRef>
+          <a:fontRef idx="minor">
+            <a:schemeClr val="lt1"/>
+          </a:fontRef>
+        </p:style>
+        <p:txBody>
+          <a:bodyPr rtlCol="0" anchor="ctr"/>
+          <a:lstStyle/>
+          <a:p>
+            <a:pPr algn="ctr"/>
+            <a:r>
+              <a:rPr lang="pt-BR" sz="1600" dirty="0" err="1"/>
+              <a:t>ItemProcedimentoConsulta</a:t>
+            </a:r>
+            <a:endParaRPr lang="pt-BR" sz="1600" dirty="0"/>
+          </a:p>
+        </p:txBody>
+      </p:sp>
+      <p:sp>
+        <p:nvSpPr>
+          <p:cNvPr id="21" name="Losango 20">
+            <a:extLst>
+              <a:ext uri="{FF2B5EF4-FFF2-40B4-BE49-F238E27FC236}">
+                <a16:creationId xmlns:a16="http://schemas.microsoft.com/office/drawing/2014/main" id="{99B1BB33-FE6E-F32F-C0A5-7A976487CD79}"/>
+              </a:ext>
+            </a:extLst>
+          </p:cNvPr>
+          <p:cNvSpPr/>
+          <p:nvPr/>
+        </p:nvSpPr>
+        <p:spPr>
+          <a:xfrm>
+            <a:off x="6858478" y="3895424"/>
+            <a:ext cx="1977656" cy="430632"/>
+          </a:xfrm>
+          <a:prstGeom prst="diamond">
+            <a:avLst/>
+          </a:prstGeom>
+        </p:spPr>
+        <p:style>
+          <a:lnRef idx="2">
+            <a:schemeClr val="accent1">
+              <a:shade val="15000"/>
+            </a:schemeClr>
+          </a:lnRef>
+          <a:fillRef idx="1">
+            <a:schemeClr val="accent1"/>
+          </a:fillRef>
+          <a:effectRef idx="0">
+            <a:schemeClr val="accent1"/>
+          </a:effectRef>
+          <a:fontRef idx="minor">
+            <a:schemeClr val="lt1"/>
+          </a:fontRef>
+        </p:style>
+        <p:txBody>
+          <a:bodyPr rtlCol="0" anchor="ctr"/>
+          <a:lstStyle/>
+          <a:p>
+            <a:pPr algn="ctr"/>
+            <a:r>
+              <a:rPr lang="pt-BR" dirty="0"/>
+              <a:t>Está</a:t>
+            </a:r>
+          </a:p>
+        </p:txBody>
+      </p:sp>
+      <p:sp>
+        <p:nvSpPr>
+          <p:cNvPr id="22" name="Losango 21">
+            <a:extLst>
+              <a:ext uri="{FF2B5EF4-FFF2-40B4-BE49-F238E27FC236}">
+                <a16:creationId xmlns:a16="http://schemas.microsoft.com/office/drawing/2014/main" id="{39CB3119-E73C-AC37-25D5-D48DADE4A77F}"/>
+              </a:ext>
+            </a:extLst>
+          </p:cNvPr>
+          <p:cNvSpPr/>
+          <p:nvPr/>
+        </p:nvSpPr>
+        <p:spPr>
+          <a:xfrm>
+            <a:off x="6858478" y="5089401"/>
+            <a:ext cx="1977656" cy="430632"/>
+          </a:xfrm>
+          <a:prstGeom prst="diamond">
+            <a:avLst/>
+          </a:prstGeom>
+        </p:spPr>
+        <p:style>
+          <a:lnRef idx="2">
+            <a:schemeClr val="accent1">
+              <a:shade val="15000"/>
+            </a:schemeClr>
+          </a:lnRef>
+          <a:fillRef idx="1">
+            <a:schemeClr val="accent1"/>
+          </a:fillRef>
+          <a:effectRef idx="0">
+            <a:schemeClr val="accent1"/>
+          </a:effectRef>
+          <a:fontRef idx="minor">
+            <a:schemeClr val="lt1"/>
+          </a:fontRef>
+        </p:style>
+        <p:txBody>
+          <a:bodyPr rtlCol="0" anchor="ctr"/>
+          <a:lstStyle/>
+          <a:p>
+            <a:pPr algn="ctr"/>
+            <a:r>
+              <a:rPr lang="pt-BR" dirty="0"/>
+              <a:t>Está</a:t>
+            </a:r>
+          </a:p>
+        </p:txBody>
+      </p:sp>
+      <p:sp>
+        <p:nvSpPr>
+          <p:cNvPr id="27" name="Retângulo 26">
+            <a:extLst>
+              <a:ext uri="{FF2B5EF4-FFF2-40B4-BE49-F238E27FC236}">
+                <a16:creationId xmlns:a16="http://schemas.microsoft.com/office/drawing/2014/main" id="{0A68E5F9-8498-DA1B-F6F8-80F5F94D3355}"/>
+              </a:ext>
+            </a:extLst>
+          </p:cNvPr>
+          <p:cNvSpPr/>
+          <p:nvPr/>
+        </p:nvSpPr>
+        <p:spPr>
+          <a:xfrm>
+            <a:off x="9609242" y="4448497"/>
+            <a:ext cx="2509284" cy="519760"/>
+          </a:xfrm>
+          <a:prstGeom prst="rect">
+            <a:avLst/>
+          </a:prstGeom>
+        </p:spPr>
+        <p:style>
+          <a:lnRef idx="2">
+            <a:schemeClr val="accent1">
+              <a:shade val="15000"/>
+            </a:schemeClr>
+          </a:lnRef>
+          <a:fillRef idx="1">
+            <a:schemeClr val="accent1"/>
+          </a:fillRef>
+          <a:effectRef idx="0">
+            <a:schemeClr val="accent1"/>
+          </a:effectRef>
+          <a:fontRef idx="minor">
+            <a:schemeClr val="lt1"/>
+          </a:fontRef>
+        </p:style>
+        <p:txBody>
+          <a:bodyPr rtlCol="0" anchor="ctr"/>
+          <a:lstStyle/>
+          <a:p>
+            <a:pPr algn="ctr"/>
+            <a:r>
+              <a:rPr lang="pt-BR" sz="1600" dirty="0" err="1"/>
+              <a:t>ItemProcedimentoDentista</a:t>
+            </a:r>
+            <a:endParaRPr lang="pt-BR" sz="1600" dirty="0"/>
+          </a:p>
+        </p:txBody>
+      </p:sp>
+      <p:sp>
+        <p:nvSpPr>
+          <p:cNvPr id="29" name="Losango 28">
+            <a:extLst>
+              <a:ext uri="{FF2B5EF4-FFF2-40B4-BE49-F238E27FC236}">
+                <a16:creationId xmlns:a16="http://schemas.microsoft.com/office/drawing/2014/main" id="{44E093DE-AD6B-8918-3AEA-EDCBE5CD916D}"/>
+              </a:ext>
+            </a:extLst>
+          </p:cNvPr>
+          <p:cNvSpPr/>
+          <p:nvPr/>
+        </p:nvSpPr>
+        <p:spPr>
+          <a:xfrm>
+            <a:off x="9875056" y="3909093"/>
+            <a:ext cx="1977656" cy="430632"/>
+          </a:xfrm>
+          <a:prstGeom prst="diamond">
+            <a:avLst/>
+          </a:prstGeom>
+        </p:spPr>
+        <p:style>
+          <a:lnRef idx="2">
+            <a:schemeClr val="accent1">
+              <a:shade val="15000"/>
+            </a:schemeClr>
+          </a:lnRef>
+          <a:fillRef idx="1">
+            <a:schemeClr val="accent1"/>
+          </a:fillRef>
+          <a:effectRef idx="0">
+            <a:schemeClr val="accent1"/>
+          </a:effectRef>
+          <a:fontRef idx="minor">
+            <a:schemeClr val="lt1"/>
+          </a:fontRef>
+        </p:style>
+        <p:txBody>
+          <a:bodyPr rtlCol="0" anchor="ctr"/>
+          <a:lstStyle/>
+          <a:p>
+            <a:pPr algn="ctr"/>
+            <a:r>
+              <a:rPr lang="pt-BR" dirty="0"/>
+              <a:t>Está</a:t>
+            </a:r>
+          </a:p>
+        </p:txBody>
+      </p:sp>
+      <p:sp>
+        <p:nvSpPr>
+          <p:cNvPr id="30" name="Losango 29">
+            <a:extLst>
+              <a:ext uri="{FF2B5EF4-FFF2-40B4-BE49-F238E27FC236}">
+                <a16:creationId xmlns:a16="http://schemas.microsoft.com/office/drawing/2014/main" id="{3B981C42-1E79-78C9-83DC-91D6F3F5C94F}"/>
+              </a:ext>
+            </a:extLst>
+          </p:cNvPr>
+          <p:cNvSpPr/>
+          <p:nvPr/>
+        </p:nvSpPr>
+        <p:spPr>
+          <a:xfrm>
+            <a:off x="9875056" y="5103070"/>
+            <a:ext cx="1977656" cy="430632"/>
+          </a:xfrm>
+          <a:prstGeom prst="diamond">
+            <a:avLst/>
+          </a:prstGeom>
+        </p:spPr>
+        <p:style>
+          <a:lnRef idx="2">
+            <a:schemeClr val="accent1">
+              <a:shade val="15000"/>
+            </a:schemeClr>
+          </a:lnRef>
+          <a:fillRef idx="1">
+            <a:schemeClr val="accent1"/>
+          </a:fillRef>
+          <a:effectRef idx="0">
+            <a:schemeClr val="accent1"/>
+          </a:effectRef>
+          <a:fontRef idx="minor">
+            <a:schemeClr val="lt1"/>
+          </a:fontRef>
+        </p:style>
+        <p:txBody>
+          <a:bodyPr rtlCol="0" anchor="ctr"/>
+          <a:lstStyle/>
+          <a:p>
+            <a:pPr algn="ctr"/>
+            <a:r>
+              <a:rPr lang="pt-BR" dirty="0"/>
+              <a:t>Está</a:t>
+            </a:r>
+          </a:p>
+        </p:txBody>
+      </p:sp>
+      <p:cxnSp>
+        <p:nvCxnSpPr>
+          <p:cNvPr id="32" name="Conector reto 31">
+            <a:extLst>
+              <a:ext uri="{FF2B5EF4-FFF2-40B4-BE49-F238E27FC236}">
+                <a16:creationId xmlns:a16="http://schemas.microsoft.com/office/drawing/2014/main" id="{BF7A5282-FD7B-8A36-C566-748A4897895B}"/>
+              </a:ext>
+            </a:extLst>
+          </p:cNvPr>
+          <p:cNvCxnSpPr>
+            <a:stCxn id="15" idx="0"/>
+            <a:endCxn id="4" idx="2"/>
+          </p:cNvCxnSpPr>
+          <p:nvPr/>
+        </p:nvCxnSpPr>
+        <p:spPr>
+          <a:xfrm flipV="1">
+            <a:off x="4364665" y="3605065"/>
+            <a:ext cx="1731335" cy="304028"/>
+          </a:xfrm>
+          <a:prstGeom prst="line">
+            <a:avLst/>
+          </a:prstGeom>
+        </p:spPr>
+        <p:style>
+          <a:lnRef idx="1">
+            <a:schemeClr val="accent1"/>
+          </a:lnRef>
+          <a:fillRef idx="0">
+            <a:schemeClr val="accent1"/>
+          </a:fillRef>
+          <a:effectRef idx="0">
+            <a:schemeClr val="accent1"/>
+          </a:effectRef>
+          <a:fontRef idx="minor">
+            <a:schemeClr val="tx1"/>
+          </a:fontRef>
+        </p:style>
+      </p:cxnSp>
+      <p:cxnSp>
+        <p:nvCxnSpPr>
+          <p:cNvPr id="34" name="Conector reto 33">
+            <a:extLst>
+              <a:ext uri="{FF2B5EF4-FFF2-40B4-BE49-F238E27FC236}">
+                <a16:creationId xmlns:a16="http://schemas.microsoft.com/office/drawing/2014/main" id="{8452F726-5E81-3BD4-581F-F8275943E21E}"/>
+              </a:ext>
+            </a:extLst>
+          </p:cNvPr>
+          <p:cNvCxnSpPr>
+            <a:stCxn id="15" idx="2"/>
+            <a:endCxn id="3" idx="0"/>
+          </p:cNvCxnSpPr>
+          <p:nvPr/>
+        </p:nvCxnSpPr>
+        <p:spPr>
+          <a:xfrm>
+            <a:off x="4364665" y="4339725"/>
+            <a:ext cx="0" cy="95103"/>
+          </a:xfrm>
+          <a:prstGeom prst="line">
+            <a:avLst/>
+          </a:prstGeom>
+        </p:spPr>
+        <p:style>
+          <a:lnRef idx="1">
+            <a:schemeClr val="accent1"/>
+          </a:lnRef>
+          <a:fillRef idx="0">
+            <a:schemeClr val="accent1"/>
+          </a:fillRef>
+          <a:effectRef idx="0">
+            <a:schemeClr val="accent1"/>
+          </a:effectRef>
+          <a:fontRef idx="minor">
+            <a:schemeClr val="tx1"/>
+          </a:fontRef>
+        </p:style>
+      </p:cxnSp>
+      <p:cxnSp>
+        <p:nvCxnSpPr>
+          <p:cNvPr id="36" name="Conector reto 35">
+            <a:extLst>
+              <a:ext uri="{FF2B5EF4-FFF2-40B4-BE49-F238E27FC236}">
+                <a16:creationId xmlns:a16="http://schemas.microsoft.com/office/drawing/2014/main" id="{267FA99E-30D9-988C-60AD-F7CD1B8456DE}"/>
+              </a:ext>
+            </a:extLst>
+          </p:cNvPr>
+          <p:cNvCxnSpPr>
+            <a:stCxn id="17" idx="0"/>
+            <a:endCxn id="3" idx="2"/>
+          </p:cNvCxnSpPr>
+          <p:nvPr/>
+        </p:nvCxnSpPr>
+        <p:spPr>
+          <a:xfrm flipV="1">
+            <a:off x="4364665" y="4954588"/>
+            <a:ext cx="0" cy="148482"/>
+          </a:xfrm>
+          <a:prstGeom prst="line">
+            <a:avLst/>
+          </a:prstGeom>
+        </p:spPr>
+        <p:style>
+          <a:lnRef idx="1">
+            <a:schemeClr val="accent1"/>
+          </a:lnRef>
+          <a:fillRef idx="0">
+            <a:schemeClr val="accent1"/>
+          </a:fillRef>
+          <a:effectRef idx="0">
+            <a:schemeClr val="accent1"/>
+          </a:effectRef>
+          <a:fontRef idx="minor">
+            <a:schemeClr val="tx1"/>
+          </a:fontRef>
+        </p:style>
+      </p:cxnSp>
+      <p:cxnSp>
+        <p:nvCxnSpPr>
+          <p:cNvPr id="38" name="Conector reto 37">
+            <a:extLst>
+              <a:ext uri="{FF2B5EF4-FFF2-40B4-BE49-F238E27FC236}">
+                <a16:creationId xmlns:a16="http://schemas.microsoft.com/office/drawing/2014/main" id="{9BCDB12D-C520-5422-4C28-9DEF47C55CC0}"/>
+              </a:ext>
+            </a:extLst>
+          </p:cNvPr>
+          <p:cNvCxnSpPr>
+            <a:stCxn id="9" idx="0"/>
+            <a:endCxn id="17" idx="2"/>
+          </p:cNvCxnSpPr>
+          <p:nvPr/>
+        </p:nvCxnSpPr>
+        <p:spPr>
+          <a:xfrm flipV="1">
+            <a:off x="4364665" y="5533702"/>
+            <a:ext cx="0" cy="112835"/>
+          </a:xfrm>
+          <a:prstGeom prst="line">
+            <a:avLst/>
+          </a:prstGeom>
+        </p:spPr>
+        <p:style>
+          <a:lnRef idx="1">
+            <a:schemeClr val="accent1"/>
+          </a:lnRef>
+          <a:fillRef idx="0">
+            <a:schemeClr val="accent1"/>
+          </a:fillRef>
+          <a:effectRef idx="0">
+            <a:schemeClr val="accent1"/>
+          </a:effectRef>
+          <a:fontRef idx="minor">
+            <a:schemeClr val="tx1"/>
+          </a:fontRef>
+        </p:style>
+      </p:cxnSp>
+      <p:cxnSp>
+        <p:nvCxnSpPr>
+          <p:cNvPr id="40" name="Conector reto 39">
+            <a:extLst>
+              <a:ext uri="{FF2B5EF4-FFF2-40B4-BE49-F238E27FC236}">
+                <a16:creationId xmlns:a16="http://schemas.microsoft.com/office/drawing/2014/main" id="{9622B08F-3FE3-3BA1-B66E-C08E315AE403}"/>
+              </a:ext>
+            </a:extLst>
+          </p:cNvPr>
+          <p:cNvCxnSpPr>
+            <a:stCxn id="21" idx="0"/>
+            <a:endCxn id="4" idx="2"/>
+          </p:cNvCxnSpPr>
+          <p:nvPr/>
+        </p:nvCxnSpPr>
+        <p:spPr>
+          <a:xfrm flipH="1" flipV="1">
+            <a:off x="6096000" y="3605065"/>
+            <a:ext cx="1751306" cy="290359"/>
+          </a:xfrm>
+          <a:prstGeom prst="line">
+            <a:avLst/>
+          </a:prstGeom>
+        </p:spPr>
+        <p:style>
+          <a:lnRef idx="1">
+            <a:schemeClr val="accent1"/>
+          </a:lnRef>
+          <a:fillRef idx="0">
+            <a:schemeClr val="accent1"/>
+          </a:fillRef>
+          <a:effectRef idx="0">
+            <a:schemeClr val="accent1"/>
+          </a:effectRef>
+          <a:fontRef idx="minor">
+            <a:schemeClr val="tx1"/>
+          </a:fontRef>
+        </p:style>
+      </p:cxnSp>
+      <p:cxnSp>
+        <p:nvCxnSpPr>
+          <p:cNvPr id="43" name="Conector reto 42">
+            <a:extLst>
+              <a:ext uri="{FF2B5EF4-FFF2-40B4-BE49-F238E27FC236}">
+                <a16:creationId xmlns:a16="http://schemas.microsoft.com/office/drawing/2014/main" id="{110C9B05-E510-3F59-EC97-5209FA41D46D}"/>
+              </a:ext>
+            </a:extLst>
+          </p:cNvPr>
+          <p:cNvCxnSpPr>
+            <a:stCxn id="19" idx="0"/>
+            <a:endCxn id="21" idx="2"/>
+          </p:cNvCxnSpPr>
+          <p:nvPr/>
+        </p:nvCxnSpPr>
+        <p:spPr>
+          <a:xfrm flipV="1">
+            <a:off x="7847306" y="4326056"/>
+            <a:ext cx="0" cy="108772"/>
+          </a:xfrm>
+          <a:prstGeom prst="line">
+            <a:avLst/>
+          </a:prstGeom>
+        </p:spPr>
+        <p:style>
+          <a:lnRef idx="1">
+            <a:schemeClr val="accent1"/>
+          </a:lnRef>
+          <a:fillRef idx="0">
+            <a:schemeClr val="accent1"/>
+          </a:fillRef>
+          <a:effectRef idx="0">
+            <a:schemeClr val="accent1"/>
+          </a:effectRef>
+          <a:fontRef idx="minor">
+            <a:schemeClr val="tx1"/>
+          </a:fontRef>
+        </p:style>
+      </p:cxnSp>
+      <p:cxnSp>
+        <p:nvCxnSpPr>
+          <p:cNvPr id="46" name="Conector reto 45">
+            <a:extLst>
+              <a:ext uri="{FF2B5EF4-FFF2-40B4-BE49-F238E27FC236}">
+                <a16:creationId xmlns:a16="http://schemas.microsoft.com/office/drawing/2014/main" id="{DD5A0D47-B828-B12A-118D-5A455F2016C0}"/>
+              </a:ext>
+            </a:extLst>
+          </p:cNvPr>
+          <p:cNvCxnSpPr>
+            <a:stCxn id="8" idx="0"/>
+            <a:endCxn id="22" idx="2"/>
+          </p:cNvCxnSpPr>
+          <p:nvPr/>
+        </p:nvCxnSpPr>
+        <p:spPr>
+          <a:xfrm flipV="1">
+            <a:off x="7847306" y="5520033"/>
+            <a:ext cx="0" cy="126504"/>
+          </a:xfrm>
+          <a:prstGeom prst="line">
+            <a:avLst/>
+          </a:prstGeom>
+        </p:spPr>
+        <p:style>
+          <a:lnRef idx="1">
+            <a:schemeClr val="accent1"/>
+          </a:lnRef>
+          <a:fillRef idx="0">
+            <a:schemeClr val="accent1"/>
+          </a:fillRef>
+          <a:effectRef idx="0">
+            <a:schemeClr val="accent1"/>
+          </a:effectRef>
+          <a:fontRef idx="minor">
+            <a:schemeClr val="tx1"/>
+          </a:fontRef>
+        </p:style>
+      </p:cxnSp>
+      <p:cxnSp>
+        <p:nvCxnSpPr>
+          <p:cNvPr id="50" name="Conector reto 49">
+            <a:extLst>
+              <a:ext uri="{FF2B5EF4-FFF2-40B4-BE49-F238E27FC236}">
+                <a16:creationId xmlns:a16="http://schemas.microsoft.com/office/drawing/2014/main" id="{D19C1A41-8854-57AF-C34B-6840C2D3578F}"/>
+              </a:ext>
+            </a:extLst>
+          </p:cNvPr>
+          <p:cNvCxnSpPr>
+            <a:stCxn id="19" idx="2"/>
+            <a:endCxn id="22" idx="0"/>
+          </p:cNvCxnSpPr>
+          <p:nvPr/>
+        </p:nvCxnSpPr>
+        <p:spPr>
+          <a:xfrm>
+            <a:off x="7847306" y="4954588"/>
+            <a:ext cx="0" cy="134813"/>
+          </a:xfrm>
+          <a:prstGeom prst="line">
+            <a:avLst/>
+          </a:prstGeom>
+        </p:spPr>
+        <p:style>
+          <a:lnRef idx="1">
+            <a:schemeClr val="accent1"/>
+          </a:lnRef>
+          <a:fillRef idx="0">
+            <a:schemeClr val="accent1"/>
+          </a:fillRef>
+          <a:effectRef idx="0">
+            <a:schemeClr val="accent1"/>
+          </a:effectRef>
+          <a:fontRef idx="minor">
+            <a:schemeClr val="tx1"/>
+          </a:fontRef>
+        </p:style>
+      </p:cxnSp>
+      <p:cxnSp>
+        <p:nvCxnSpPr>
+          <p:cNvPr id="54" name="Conector reto 53">
+            <a:extLst>
+              <a:ext uri="{FF2B5EF4-FFF2-40B4-BE49-F238E27FC236}">
+                <a16:creationId xmlns:a16="http://schemas.microsoft.com/office/drawing/2014/main" id="{1704303B-03E7-AADF-5C09-B66508AE1247}"/>
+              </a:ext>
+            </a:extLst>
+          </p:cNvPr>
+          <p:cNvCxnSpPr>
+            <a:stCxn id="30" idx="2"/>
+            <a:endCxn id="8" idx="3"/>
+          </p:cNvCxnSpPr>
+          <p:nvPr/>
+        </p:nvCxnSpPr>
+        <p:spPr>
+          <a:xfrm flipH="1">
+            <a:off x="9101948" y="5533702"/>
+            <a:ext cx="1761936" cy="570035"/>
+          </a:xfrm>
+          <a:prstGeom prst="line">
+            <a:avLst/>
+          </a:prstGeom>
+        </p:spPr>
+        <p:style>
+          <a:lnRef idx="1">
+            <a:schemeClr val="accent1"/>
+          </a:lnRef>
+          <a:fillRef idx="0">
+            <a:schemeClr val="accent1"/>
+          </a:fillRef>
+          <a:effectRef idx="0">
+            <a:schemeClr val="accent1"/>
+          </a:effectRef>
+          <a:fontRef idx="minor">
+            <a:schemeClr val="tx1"/>
+          </a:fontRef>
+        </p:style>
+      </p:cxnSp>
+      <p:cxnSp>
+        <p:nvCxnSpPr>
+          <p:cNvPr id="56" name="Conector reto 55">
+            <a:extLst>
+              <a:ext uri="{FF2B5EF4-FFF2-40B4-BE49-F238E27FC236}">
+                <a16:creationId xmlns:a16="http://schemas.microsoft.com/office/drawing/2014/main" id="{22B1D112-73C7-9C8C-F76C-21E99324BA3D}"/>
+              </a:ext>
+            </a:extLst>
+          </p:cNvPr>
+          <p:cNvCxnSpPr>
+            <a:stCxn id="30" idx="0"/>
+            <a:endCxn id="27" idx="2"/>
+          </p:cNvCxnSpPr>
+          <p:nvPr/>
+        </p:nvCxnSpPr>
+        <p:spPr>
+          <a:xfrm flipV="1">
+            <a:off x="10863884" y="4968257"/>
+            <a:ext cx="0" cy="134813"/>
+          </a:xfrm>
+          <a:prstGeom prst="line">
+            <a:avLst/>
+          </a:prstGeom>
+        </p:spPr>
+        <p:style>
+          <a:lnRef idx="1">
+            <a:schemeClr val="accent1"/>
+          </a:lnRef>
+          <a:fillRef idx="0">
+            <a:schemeClr val="accent1"/>
+          </a:fillRef>
+          <a:effectRef idx="0">
+            <a:schemeClr val="accent1"/>
+          </a:effectRef>
+          <a:fontRef idx="minor">
+            <a:schemeClr val="tx1"/>
+          </a:fontRef>
+        </p:style>
+      </p:cxnSp>
+      <p:cxnSp>
+        <p:nvCxnSpPr>
+          <p:cNvPr id="58" name="Conector reto 57">
+            <a:extLst>
+              <a:ext uri="{FF2B5EF4-FFF2-40B4-BE49-F238E27FC236}">
+                <a16:creationId xmlns:a16="http://schemas.microsoft.com/office/drawing/2014/main" id="{009D80D6-4A7A-E4FC-F09A-F624CB6425A7}"/>
+              </a:ext>
+            </a:extLst>
+          </p:cNvPr>
+          <p:cNvCxnSpPr>
+            <a:stCxn id="27" idx="0"/>
+            <a:endCxn id="29" idx="2"/>
+          </p:cNvCxnSpPr>
+          <p:nvPr/>
+        </p:nvCxnSpPr>
+        <p:spPr>
+          <a:xfrm flipV="1">
+            <a:off x="10863884" y="4339725"/>
+            <a:ext cx="0" cy="108772"/>
+          </a:xfrm>
+          <a:prstGeom prst="line">
+            <a:avLst/>
+          </a:prstGeom>
+        </p:spPr>
+        <p:style>
+          <a:lnRef idx="1">
+            <a:schemeClr val="accent1"/>
+          </a:lnRef>
+          <a:fillRef idx="0">
+            <a:schemeClr val="accent1"/>
+          </a:fillRef>
+          <a:effectRef idx="0">
+            <a:schemeClr val="accent1"/>
+          </a:effectRef>
+          <a:fontRef idx="minor">
+            <a:schemeClr val="tx1"/>
+          </a:fontRef>
+        </p:style>
+      </p:cxnSp>
+      <p:cxnSp>
+        <p:nvCxnSpPr>
+          <p:cNvPr id="60" name="Conector reto 59">
+            <a:extLst>
+              <a:ext uri="{FF2B5EF4-FFF2-40B4-BE49-F238E27FC236}">
+                <a16:creationId xmlns:a16="http://schemas.microsoft.com/office/drawing/2014/main" id="{03352FBC-F285-07DD-ACBC-132ED44854F1}"/>
+              </a:ext>
+            </a:extLst>
+          </p:cNvPr>
+          <p:cNvCxnSpPr>
+            <a:stCxn id="29" idx="0"/>
+            <a:endCxn id="6" idx="2"/>
+          </p:cNvCxnSpPr>
+          <p:nvPr/>
+        </p:nvCxnSpPr>
+        <p:spPr>
+          <a:xfrm flipV="1">
+            <a:off x="10863884" y="3602469"/>
+            <a:ext cx="0" cy="306624"/>
           </a:xfrm>
           <a:prstGeom prst="line">
             <a:avLst/>
